--- a/Presentation Template.pptx
+++ b/Presentation Template.pptx
@@ -145,6 +145,17 @@
     </p:ext>
   </p:extLst>
 </p:presentation>
+</file>
+
+<file path=ppt/revisionInfo.xml><?xml version="1.0" encoding="utf-8"?>
+<p1510:revInfo xmlns:a="http://schemas.openxmlformats.org/drawingml/2006/main" xmlns:r="http://schemas.openxmlformats.org/officeDocument/2006/relationships" xmlns:p1510="http://schemas.microsoft.com/office/powerpoint/2015/10/main">
+  <p1510:revLst>
+    <p1510:client id="{154A7AB4-C83C-D19F-91D7-81D3B0E40B5B}" v="432" dt="2023-05-19T00:05:59.480"/>
+    <p1510:client id="{A84F29E4-F31C-3C02-58F5-29B0AACFC54A}" v="324" dt="2023-05-23T21:21:57.565"/>
+    <p1510:client id="{C8CB52AB-EB83-454C-9820-1964766A34A1}" v="448" dt="2023-05-21T08:02:55.489"/>
+    <p1510:client id="{E2A79A41-A30A-BB1F-136A-C37784C34FED}" v="393" dt="2023-05-23T21:25:39.001"/>
+  </p1510:revLst>
+</p1510:revInfo>
 </file>
 
 <file path=ppt/charts/chart1.xml><?xml version="1.0" encoding="utf-8"?>
@@ -1951,7 +1962,7 @@
         <a:lstStyle/>
         <a:p>
           <a:r>
-            <a:rPr lang="en-US" sz="1800" dirty="0">
+            <a:rPr lang="en-US" sz="1800">
               <a:latin typeface="+mn-lt"/>
             </a:rPr>
             <a:t>Title</a:t>
@@ -1997,7 +2008,7 @@
             <a:buChar char=""/>
           </a:pPr>
           <a:r>
-            <a:rPr lang="en-US" sz="1800" dirty="0">
+            <a:rPr lang="en-US" sz="1800">
               <a:latin typeface="+mn-lt"/>
             </a:rPr>
             <a:t>To start a presentation, go to the Slide Show tab, and select          From Beginning.</a:t>
@@ -2039,7 +2050,7 @@
         <a:lstStyle/>
         <a:p>
           <a:r>
-            <a:rPr lang="en-US" sz="1800" dirty="0">
+            <a:rPr lang="en-US" sz="1800">
               <a:latin typeface="+mn-lt"/>
             </a:rPr>
             <a:t>Title</a:t>
@@ -2085,7 +2096,7 @@
             <a:buChar char=""/>
           </a:pPr>
           <a:r>
-            <a:rPr lang="en-US" sz="1800" dirty="0">
+            <a:rPr lang="en-US" sz="1800">
               <a:latin typeface="+mn-lt"/>
             </a:rPr>
             <a:t>To display Presenter view, in Slide Show view, on the control bar at the bottom left select the three dots, and then Show                 Presenter View.</a:t>
@@ -2127,7 +2138,7 @@
         <a:lstStyle/>
         <a:p>
           <a:r>
-            <a:rPr lang="en-US" sz="1800" dirty="0">
+            <a:rPr lang="en-US" sz="1800">
               <a:latin typeface="+mn-lt"/>
             </a:rPr>
             <a:t>Title</a:t>
@@ -2173,10 +2184,10 @@
             <a:buChar char=""/>
           </a:pPr>
           <a:r>
-            <a:rPr lang="en-US" sz="1800" dirty="0"/>
+            <a:rPr lang="en-US" sz="1800"/>
             <a:t>During your presentation, the speaker notes are visible on your monitor, but aren't visible to      the audience.</a:t>
           </a:r>
-          <a:endParaRPr lang="en-US" sz="1800" dirty="0">
+          <a:endParaRPr lang="en-US" sz="1800">
             <a:latin typeface="+mn-lt"/>
           </a:endParaRPr>
         </a:p>
@@ -2220,7 +2231,7 @@
             <a:buChar char=""/>
           </a:pPr>
           <a:r>
-            <a:rPr lang="en-US" sz="1800" dirty="0">
+            <a:rPr lang="en-US" sz="1800">
               <a:latin typeface="+mn-lt"/>
             </a:rPr>
             <a:t>Title</a:t>
@@ -2262,7 +2273,7 @@
             <a:buChar char=""/>
           </a:pPr>
           <a:r>
-            <a:rPr lang="en-US" sz="1800" dirty="0">
+            <a:rPr lang="en-US" sz="1800">
               <a:latin typeface="+mn-lt"/>
             </a:rPr>
             <a:t>Title</a:t>
@@ -2304,10 +2315,10 @@
             <a:buChar char=""/>
           </a:pPr>
           <a:r>
-            <a:rPr lang="en-US" sz="1800" dirty="0"/>
+            <a:rPr lang="en-US" sz="1800"/>
             <a:t>If you don’t see the Notes pane or it is completely minimized, click Notes on the task bar across the bottom of the PowerPoint window.</a:t>
           </a:r>
-          <a:endParaRPr lang="en-US" sz="1800" dirty="0">
+          <a:endParaRPr lang="en-US" sz="1800">
             <a:latin typeface="+mn-lt"/>
           </a:endParaRPr>
         </a:p>
@@ -2347,10 +2358,10 @@
             <a:buChar char=""/>
           </a:pPr>
           <a:r>
-            <a:rPr lang="en-US" sz="1800" dirty="0"/>
+            <a:rPr lang="en-US" sz="1800"/>
             <a:t>The Notes pane is a box that appears below each slide. Tap it to add notes.</a:t>
           </a:r>
-          <a:endParaRPr lang="en-US" sz="1800" dirty="0">
+          <a:endParaRPr lang="en-US" sz="1800">
             <a:latin typeface="+mn-lt"/>
           </a:endParaRPr>
         </a:p>
@@ -2793,7 +2804,7 @@
             <a:buNone/>
           </a:pPr>
           <a:r>
-            <a:rPr lang="en-US" sz="1800" kern="1200" dirty="0">
+            <a:rPr lang="en-US" sz="1800" kern="1200">
               <a:latin typeface="+mn-lt"/>
             </a:rPr>
             <a:t>Title</a:t>
@@ -2856,7 +2867,7 @@
             <a:buNone/>
           </a:pPr>
           <a:r>
-            <a:rPr lang="en-US" sz="1800" kern="1200" dirty="0">
+            <a:rPr lang="en-US" sz="1800" kern="1200">
               <a:latin typeface="+mn-lt"/>
             </a:rPr>
             <a:t>To start a presentation, go to the Slide Show tab, and select          From Beginning.</a:t>
@@ -3027,7 +3038,7 @@
             <a:buNone/>
           </a:pPr>
           <a:r>
-            <a:rPr lang="en-US" sz="1800" kern="1200" dirty="0">
+            <a:rPr lang="en-US" sz="1800" kern="1200">
               <a:latin typeface="+mn-lt"/>
             </a:rPr>
             <a:t>Title</a:t>
@@ -3090,7 +3101,7 @@
             <a:buNone/>
           </a:pPr>
           <a:r>
-            <a:rPr lang="en-US" sz="1800" kern="1200" dirty="0">
+            <a:rPr lang="en-US" sz="1800" kern="1200">
               <a:latin typeface="+mn-lt"/>
             </a:rPr>
             <a:t>To display Presenter view, in Slide Show view, on the control bar at the bottom left select the three dots, and then Show                 Presenter View.</a:t>
@@ -3261,7 +3272,7 @@
             <a:buNone/>
           </a:pPr>
           <a:r>
-            <a:rPr lang="en-US" sz="1800" kern="1200" dirty="0">
+            <a:rPr lang="en-US" sz="1800" kern="1200">
               <a:latin typeface="+mn-lt"/>
             </a:rPr>
             <a:t>Title</a:t>
@@ -3324,10 +3335,10 @@
             <a:buNone/>
           </a:pPr>
           <a:r>
-            <a:rPr lang="en-US" sz="1800" kern="1200" dirty="0"/>
+            <a:rPr lang="en-US" sz="1800" kern="1200"/>
             <a:t>During your presentation, the speaker notes are visible on your monitor, but aren't visible to      the audience.</a:t>
           </a:r>
-          <a:endParaRPr lang="en-US" sz="1800" kern="1200" dirty="0">
+          <a:endParaRPr lang="en-US" sz="1800" kern="1200">
             <a:latin typeface="+mn-lt"/>
           </a:endParaRPr>
         </a:p>
@@ -3497,7 +3508,7 @@
             <a:buNone/>
           </a:pPr>
           <a:r>
-            <a:rPr lang="en-US" sz="1800" kern="1200" dirty="0">
+            <a:rPr lang="en-US" sz="1800" kern="1200">
               <a:latin typeface="+mn-lt"/>
             </a:rPr>
             <a:t>Title</a:t>
@@ -3560,10 +3571,10 @@
             <a:buNone/>
           </a:pPr>
           <a:r>
-            <a:rPr lang="en-US" sz="1800" kern="1200" dirty="0"/>
+            <a:rPr lang="en-US" sz="1800" kern="1200"/>
             <a:t>The Notes pane is a box that appears below each slide. Tap it to add notes.</a:t>
           </a:r>
-          <a:endParaRPr lang="en-US" sz="1800" kern="1200" dirty="0">
+          <a:endParaRPr lang="en-US" sz="1800" kern="1200">
             <a:latin typeface="+mn-lt"/>
           </a:endParaRPr>
         </a:p>
@@ -3733,7 +3744,7 @@
             <a:buNone/>
           </a:pPr>
           <a:r>
-            <a:rPr lang="en-US" sz="1800" kern="1200" dirty="0">
+            <a:rPr lang="en-US" sz="1800" kern="1200">
               <a:latin typeface="+mn-lt"/>
             </a:rPr>
             <a:t>Title</a:t>
@@ -3796,10 +3807,10 @@
             <a:buNone/>
           </a:pPr>
           <a:r>
-            <a:rPr lang="en-US" sz="1800" kern="1200" dirty="0"/>
+            <a:rPr lang="en-US" sz="1800" kern="1200"/>
             <a:t>If you don’t see the Notes pane or it is completely minimized, click Notes on the task bar across the bottom of the PowerPoint window.</a:t>
           </a:r>
-          <a:endParaRPr lang="en-US" sz="1800" kern="1200" dirty="0">
+          <a:endParaRPr lang="en-US" sz="1800" kern="1200">
             <a:latin typeface="+mn-lt"/>
           </a:endParaRPr>
         </a:p>
@@ -5615,7 +5626,7 @@
           <a:p>
             <a:fld id="{C17F2C1D-F243-42AB-ADF2-E7CB4E04900E}" type="datetimeFigureOut">
               <a:rPr lang="en-US" smtClean="0"/>
-              <a:t>5/31/2022</a:t>
+              <a:t>5/23/2023</a:t>
             </a:fld>
             <a:endParaRPr lang="en-US"/>
           </a:p>
@@ -5792,7 +5803,7 @@
           <a:p>
             <a:fld id="{020CE34E-5667-4A32-A6BA-10C7A552BC63}" type="datetimeFigureOut">
               <a:rPr lang="en-US" smtClean="0"/>
-              <a:t>5/31/2022</a:t>
+              <a:t>5/23/2023</a:t>
             </a:fld>
             <a:endParaRPr lang="en-US"/>
           </a:p>
@@ -6103,7 +6114,7 @@
           <a:bodyPr/>
           <a:lstStyle/>
           <a:p>
-            <a:endParaRPr lang="en-US" dirty="0"/>
+            <a:endParaRPr lang="en-US"/>
           </a:p>
         </p:txBody>
       </p:sp>
@@ -6187,7 +6198,7 @@
           <a:bodyPr/>
           <a:lstStyle/>
           <a:p>
-            <a:endParaRPr lang="en-US" dirty="0"/>
+            <a:endParaRPr lang="en-US"/>
           </a:p>
         </p:txBody>
       </p:sp>
@@ -6271,7 +6282,7 @@
           <a:bodyPr/>
           <a:lstStyle/>
           <a:p>
-            <a:endParaRPr lang="en-US" dirty="0"/>
+            <a:endParaRPr lang="en-US"/>
           </a:p>
         </p:txBody>
       </p:sp>
@@ -6355,7 +6366,7 @@
           <a:bodyPr/>
           <a:lstStyle/>
           <a:p>
-            <a:endParaRPr lang="en-US" dirty="0"/>
+            <a:endParaRPr lang="en-US"/>
           </a:p>
         </p:txBody>
       </p:sp>
@@ -6439,7 +6450,7 @@
           <a:bodyPr/>
           <a:lstStyle/>
           <a:p>
-            <a:endParaRPr lang="en-US" dirty="0"/>
+            <a:endParaRPr lang="en-US"/>
           </a:p>
         </p:txBody>
       </p:sp>
@@ -6523,7 +6534,7 @@
           <a:bodyPr/>
           <a:lstStyle/>
           <a:p>
-            <a:endParaRPr lang="en-US" dirty="0"/>
+            <a:endParaRPr lang="en-US"/>
           </a:p>
         </p:txBody>
       </p:sp>
@@ -6607,7 +6618,7 @@
           <a:bodyPr/>
           <a:lstStyle/>
           <a:p>
-            <a:endParaRPr lang="en-US" dirty="0"/>
+            <a:endParaRPr lang="en-US"/>
           </a:p>
         </p:txBody>
       </p:sp>
@@ -6691,7 +6702,7 @@
           <a:bodyPr/>
           <a:lstStyle/>
           <a:p>
-            <a:endParaRPr lang="en-US" dirty="0"/>
+            <a:endParaRPr lang="en-US"/>
           </a:p>
         </p:txBody>
       </p:sp>
@@ -6775,7 +6786,7 @@
           <a:bodyPr/>
           <a:lstStyle/>
           <a:p>
-            <a:endParaRPr lang="en-US" dirty="0"/>
+            <a:endParaRPr lang="en-US"/>
           </a:p>
         </p:txBody>
       </p:sp>
@@ -6945,7 +6956,7 @@
           <a:lstStyle/>
           <a:p>
             <a:r>
-              <a:rPr lang="en-US" sz="4800" dirty="0"/>
+              <a:rPr lang="en-US" sz="4800"/>
               <a:t>3DFloat</a:t>
             </a:r>
           </a:p>
@@ -7636,7 +7647,7 @@
             <a:lstStyle/>
             <a:p>
               <a:pPr algn="ctr"/>
-              <a:endParaRPr lang="en-US" dirty="0"/>
+              <a:endParaRPr lang="en-US"/>
             </a:p>
           </p:txBody>
         </p:sp>
@@ -7774,7 +7785,7 @@
             <a:lstStyle/>
             <a:p>
               <a:pPr algn="ctr"/>
-              <a:endParaRPr lang="en-US" dirty="0">
+              <a:endParaRPr lang="en-US">
                 <a:solidFill>
                   <a:schemeClr val="tx1"/>
                 </a:solidFill>
@@ -8356,7 +8367,6 @@
               <a:rPr lang="en-US"/>
               <a:t>Click to edit Master title style</a:t>
             </a:r>
-            <a:endParaRPr lang="en-US" dirty="0"/>
           </a:p>
         </p:txBody>
       </p:sp>
@@ -8515,7 +8525,6 @@
               <a:rPr lang="en-US"/>
               <a:t>Fifth level</a:t>
             </a:r>
-            <a:endParaRPr lang="en-US" dirty="0"/>
           </a:p>
         </p:txBody>
       </p:sp>
@@ -8641,7 +8650,6 @@
               <a:rPr lang="en-US"/>
               <a:t>Fifth level</a:t>
             </a:r>
-            <a:endParaRPr lang="en-US" dirty="0"/>
           </a:p>
         </p:txBody>
       </p:sp>
@@ -8684,7 +8692,7 @@
           <a:p>
             <a:pPr marL="228600" lvl="0" indent="-228600"/>
             <a:r>
-              <a:rPr lang="en-US" dirty="0"/>
+              <a:rPr lang="en-US"/>
               <a:t>Click to EDIT</a:t>
             </a:r>
           </a:p>
@@ -8767,7 +8775,6 @@
               <a:rPr lang="en-US"/>
               <a:t>Fifth level</a:t>
             </a:r>
-            <a:endParaRPr lang="en-US" dirty="0"/>
           </a:p>
         </p:txBody>
       </p:sp>
@@ -8798,7 +8805,6 @@
               <a:rPr lang="en-US"/>
               <a:t>Tuesday, February 2, 20XX</a:t>
             </a:r>
-            <a:endParaRPr lang="en-US" dirty="0"/>
           </a:p>
         </p:txBody>
       </p:sp>
@@ -9262,7 +9268,6 @@
               <a:rPr lang="en-US"/>
               <a:t>Click to edit Master title style</a:t>
             </a:r>
-            <a:endParaRPr lang="en-US" dirty="0"/>
           </a:p>
         </p:txBody>
       </p:sp>
@@ -9309,13 +9314,6 @@
               </a:rPr>
               <a:t>Click to edit Master subtitle style</a:t>
             </a:r>
-            <a:endParaRPr lang="en-US" dirty="0">
-              <a:solidFill>
-                <a:schemeClr val="tx1">
-                  <a:alpha val="60000"/>
-                </a:schemeClr>
-              </a:solidFill>
-            </a:endParaRPr>
           </a:p>
         </p:txBody>
       </p:sp>
@@ -9354,7 +9352,6 @@
               <a:rPr lang="en-US"/>
               <a:t>Click icon to add picture</a:t>
             </a:r>
-            <a:endParaRPr lang="en-US" dirty="0"/>
           </a:p>
         </p:txBody>
       </p:sp>
@@ -10367,7 +10364,6 @@
               <a:rPr lang="en-US"/>
               <a:t>Click to edit Master title style</a:t>
             </a:r>
-            <a:endParaRPr lang="en-US" dirty="0"/>
           </a:p>
         </p:txBody>
       </p:sp>
@@ -10449,7 +10445,6 @@
               <a:rPr lang="en-US"/>
               <a:t>Click to edit Master subtitle style</a:t>
             </a:r>
-            <a:endParaRPr lang="en-US" dirty="0"/>
           </a:p>
         </p:txBody>
       </p:sp>
@@ -10480,7 +10475,6 @@
               <a:rPr lang="en-US"/>
               <a:t>Tuesday, February 2, 20XX</a:t>
             </a:r>
-            <a:endParaRPr lang="en-US" dirty="0"/>
           </a:p>
         </p:txBody>
       </p:sp>
@@ -11086,7 +11080,7 @@
             <a:lstStyle/>
             <a:p>
               <a:pPr algn="ctr"/>
-              <a:endParaRPr lang="en-US" dirty="0"/>
+              <a:endParaRPr lang="en-US"/>
             </a:p>
           </p:txBody>
         </p:sp>
@@ -11224,7 +11218,7 @@
             <a:lstStyle/>
             <a:p>
               <a:pPr algn="ctr"/>
-              <a:endParaRPr lang="en-US" dirty="0">
+              <a:endParaRPr lang="en-US">
                 <a:solidFill>
                   <a:schemeClr val="tx1"/>
                 </a:solidFill>
@@ -11846,7 +11840,6 @@
               <a:rPr lang="en-US"/>
               <a:t>Click to edit Master title style</a:t>
             </a:r>
-            <a:endParaRPr lang="en-US" dirty="0"/>
           </a:p>
         </p:txBody>
       </p:sp>
@@ -11911,7 +11904,6 @@
               <a:rPr lang="en-US"/>
               <a:t>Fifth level</a:t>
             </a:r>
-            <a:endParaRPr lang="en-US" dirty="0"/>
           </a:p>
         </p:txBody>
       </p:sp>
@@ -11976,7 +11968,6 @@
               <a:rPr lang="en-US"/>
               <a:t>Fifth level</a:t>
             </a:r>
-            <a:endParaRPr lang="en-US" dirty="0"/>
           </a:p>
         </p:txBody>
       </p:sp>
@@ -12584,7 +12575,6 @@
               <a:rPr lang="en-US"/>
               <a:t>Click to edit Master title style</a:t>
             </a:r>
-            <a:endParaRPr lang="en-US" dirty="0"/>
           </a:p>
         </p:txBody>
       </p:sp>
@@ -12677,7 +12667,6 @@
               <a:rPr lang="en-US"/>
               <a:t>Fifth level</a:t>
             </a:r>
-            <a:endParaRPr lang="en-US" dirty="0"/>
           </a:p>
         </p:txBody>
       </p:sp>
@@ -12908,7 +12897,7 @@
           </a:lstStyle>
           <a:p>
             <a:r>
-              <a:rPr lang="en-US" dirty="0"/>
+              <a:rPr lang="en-US"/>
               <a:t>Click to add title</a:t>
             </a:r>
           </a:p>
@@ -12953,7 +12942,7 @@
               </a:lnSpc>
             </a:pPr>
             <a:r>
-              <a:rPr lang="en-US" sz="1600" dirty="0"/>
+              <a:rPr lang="en-US" sz="1600"/>
               <a:t>Click to add text</a:t>
             </a:r>
           </a:p>
@@ -13759,7 +13748,7 @@
             <a:lstStyle/>
             <a:p>
               <a:pPr algn="ctr"/>
-              <a:endParaRPr lang="en-US" dirty="0"/>
+              <a:endParaRPr lang="en-US"/>
             </a:p>
           </p:txBody>
         </p:sp>
@@ -13826,7 +13815,6 @@
               <a:rPr lang="en-US"/>
               <a:t>Click to edit Master title style</a:t>
             </a:r>
-            <a:endParaRPr lang="en-US" dirty="0"/>
           </a:p>
         </p:txBody>
       </p:sp>
@@ -14459,7 +14447,6 @@
               <a:rPr lang="en-US"/>
               <a:t>Click to edit Master title style</a:t>
             </a:r>
-            <a:endParaRPr lang="en-US" dirty="0"/>
           </a:p>
         </p:txBody>
       </p:sp>
@@ -14506,13 +14493,6 @@
               </a:rPr>
               <a:t>Click to edit Master subtitle style</a:t>
             </a:r>
-            <a:endParaRPr lang="en-US" dirty="0">
-              <a:solidFill>
-                <a:schemeClr val="tx1">
-                  <a:alpha val="60000"/>
-                </a:schemeClr>
-              </a:solidFill>
-            </a:endParaRPr>
           </a:p>
         </p:txBody>
       </p:sp>
@@ -14648,13 +14628,6 @@
               </a:rPr>
               <a:t>Click to edit Master subtitle style</a:t>
             </a:r>
-            <a:endParaRPr lang="en-US" dirty="0">
-              <a:solidFill>
-                <a:schemeClr val="tx1">
-                  <a:alpha val="60000"/>
-                </a:schemeClr>
-              </a:solidFill>
-            </a:endParaRPr>
           </a:p>
         </p:txBody>
       </p:sp>
@@ -14713,7 +14686,6 @@
               <a:rPr lang="en-US"/>
               <a:t>Click to edit Master title style</a:t>
             </a:r>
-            <a:endParaRPr lang="en-US" dirty="0"/>
           </a:p>
         </p:txBody>
       </p:sp>
@@ -14903,7 +14875,7 @@
             <a:lstStyle/>
             <a:p>
               <a:pPr algn="ctr"/>
-              <a:endParaRPr lang="en-US" dirty="0">
+              <a:endParaRPr lang="en-US">
                 <a:solidFill>
                   <a:schemeClr val="tx1"/>
                 </a:solidFill>
@@ -15183,7 +15155,7 @@
             <a:lstStyle/>
             <a:p>
               <a:pPr algn="ctr"/>
-              <a:endParaRPr lang="en-US" dirty="0">
+              <a:endParaRPr lang="en-US">
                 <a:solidFill>
                   <a:schemeClr val="tx1"/>
                 </a:solidFill>
@@ -15233,7 +15205,6 @@
               <a:rPr lang="en-US"/>
               <a:t>Click to edit Master title style</a:t>
             </a:r>
-            <a:endParaRPr lang="en-US" dirty="0"/>
           </a:p>
         </p:txBody>
       </p:sp>
@@ -15298,7 +15269,6 @@
               <a:rPr lang="en-US"/>
               <a:t>Fifth level</a:t>
             </a:r>
-            <a:endParaRPr lang="en-US" dirty="0"/>
           </a:p>
         </p:txBody>
       </p:sp>
@@ -15459,7 +15429,6 @@
               <a:rPr lang="en-US"/>
               <a:t>Click to edit Master title style</a:t>
             </a:r>
-            <a:endParaRPr lang="en-US" dirty="0"/>
           </a:p>
         </p:txBody>
       </p:sp>
@@ -16474,7 +16443,7 @@
           <a:lstStyle/>
           <a:p>
             <a:r>
-              <a:rPr lang="en-US" dirty="0"/>
+              <a:rPr lang="en-US"/>
               <a:t>Team</a:t>
             </a:r>
           </a:p>
@@ -17035,7 +17004,6 @@
               <a:rPr lang="en-US"/>
               <a:t>Click icon to add picture</a:t>
             </a:r>
-            <a:endParaRPr lang="en-US" dirty="0"/>
           </a:p>
         </p:txBody>
       </p:sp>
@@ -17112,7 +17080,7 @@
           <a:p>
             <a:pPr lvl="0"/>
             <a:r>
-              <a:rPr lang="en-US" dirty="0"/>
+              <a:rPr lang="en-US"/>
               <a:t>Name</a:t>
             </a:r>
           </a:p>
@@ -17153,7 +17121,7 @@
           <a:p>
             <a:pPr lvl="0"/>
             <a:r>
-              <a:rPr lang="en-US" dirty="0"/>
+              <a:rPr lang="en-US"/>
               <a:t>Title</a:t>
             </a:r>
           </a:p>
@@ -17194,7 +17162,7 @@
           <a:p>
             <a:pPr lvl="0"/>
             <a:r>
-              <a:rPr lang="en-US" dirty="0"/>
+              <a:rPr lang="en-US"/>
               <a:t>Name</a:t>
             </a:r>
           </a:p>
@@ -17235,7 +17203,7 @@
           <a:p>
             <a:pPr lvl="0"/>
             <a:r>
-              <a:rPr lang="en-US" dirty="0"/>
+              <a:rPr lang="en-US"/>
               <a:t>Title</a:t>
             </a:r>
           </a:p>
@@ -17276,7 +17244,7 @@
           <a:p>
             <a:pPr lvl="0"/>
             <a:r>
-              <a:rPr lang="en-US" dirty="0"/>
+              <a:rPr lang="en-US"/>
               <a:t>Name</a:t>
             </a:r>
           </a:p>
@@ -17317,7 +17285,7 @@
           <a:p>
             <a:pPr lvl="0"/>
             <a:r>
-              <a:rPr lang="en-US" dirty="0"/>
+              <a:rPr lang="en-US"/>
               <a:t>Title</a:t>
             </a:r>
           </a:p>
@@ -17358,7 +17326,7 @@
           <a:p>
             <a:pPr lvl="0"/>
             <a:r>
-              <a:rPr lang="en-US" dirty="0"/>
+              <a:rPr lang="en-US"/>
               <a:t>Name</a:t>
             </a:r>
           </a:p>
@@ -17399,7 +17367,7 @@
           <a:p>
             <a:pPr lvl="0"/>
             <a:r>
-              <a:rPr lang="en-US" dirty="0"/>
+              <a:rPr lang="en-US"/>
               <a:t>Title</a:t>
             </a:r>
           </a:p>
@@ -17432,7 +17400,6 @@
               <a:rPr lang="en-US"/>
               <a:t>Tuesday, February 2, 20XX</a:t>
             </a:r>
-            <a:endParaRPr lang="en-US" dirty="0"/>
           </a:p>
         </p:txBody>
       </p:sp>
@@ -17707,7 +17674,6 @@
               <a:rPr lang="en-US"/>
               <a:t>Click to edit Master title style</a:t>
             </a:r>
-            <a:endParaRPr lang="en-US" dirty="0"/>
           </a:p>
         </p:txBody>
       </p:sp>
@@ -17866,7 +17832,6 @@
               <a:rPr lang="en-US"/>
               <a:t>Fifth level</a:t>
             </a:r>
-            <a:endParaRPr lang="en-US" dirty="0"/>
           </a:p>
         </p:txBody>
       </p:sp>
@@ -18161,7 +18126,6 @@
               <a:rPr lang="en-US"/>
               <a:t>Click to edit Master title style</a:t>
             </a:r>
-            <a:endParaRPr lang="en-US" dirty="0"/>
           </a:p>
         </p:txBody>
       </p:sp>
@@ -18229,7 +18193,6 @@
               <a:rPr lang="en-US"/>
               <a:t>Fifth level</a:t>
             </a:r>
-            <a:endParaRPr lang="en-US" dirty="0"/>
           </a:p>
         </p:txBody>
       </p:sp>
@@ -18279,7 +18242,6 @@
               <a:rPr lang="en-US"/>
               <a:t>Tuesday, February 2, 20XX</a:t>
             </a:r>
-            <a:endParaRPr lang="en-US" dirty="0"/>
           </a:p>
         </p:txBody>
       </p:sp>
@@ -18329,7 +18291,6 @@
               <a:rPr lang="en-US"/>
               <a:t>Sample Footer Text</a:t>
             </a:r>
-            <a:endParaRPr lang="en-US" dirty="0"/>
           </a:p>
         </p:txBody>
       </p:sp>
@@ -18966,9 +18927,10 @@
           <a:lstStyle/>
           <a:p>
             <a:r>
-              <a:rPr lang="en-US" dirty="0"/>
-              <a:t>Presentation Title</a:t>
+              <a:rPr lang="en-US"/>
+              <a:t>computers</a:t>
             </a:r>
+            <a:endParaRPr lang="en-US" dirty="0"/>
           </a:p>
         </p:txBody>
       </p:sp>
@@ -19029,14 +18991,20 @@
           </a:xfrm>
         </p:spPr>
         <p:txBody>
-          <a:bodyPr>
+          <a:bodyPr vert="horz" wrap="square" lIns="0" tIns="0" rIns="0" bIns="0" rtlCol="0" anchor="t">
             <a:normAutofit/>
           </a:bodyPr>
           <a:lstStyle/>
           <a:p>
             <a:r>
-              <a:rPr lang="en-US" dirty="0"/>
-              <a:t>Group Name</a:t>
+              <a:rPr lang="en-US" dirty="0">
+                <a:solidFill>
+                  <a:srgbClr val="FFFFFF">
+                    <a:alpha val="60000"/>
+                  </a:srgbClr>
+                </a:solidFill>
+              </a:rPr>
+              <a:t>Gwen &amp; Hannah</a:t>
             </a:r>
           </a:p>
         </p:txBody>
@@ -19098,7 +19066,7 @@
           <a:lstStyle/>
           <a:p>
             <a:r>
-              <a:rPr lang="en-US" dirty="0"/>
+              <a:rPr lang="en-US"/>
               <a:t>Team</a:t>
             </a:r>
           </a:p>
@@ -19167,75 +19135,7 @@
         </p:blipFill>
         <p:spPr>
           <a:xfrm>
-            <a:off x="3838384" y="1990724"/>
-            <a:ext cx="1691640" cy="1435608"/>
-          </a:xfrm>
-        </p:spPr>
-      </p:pic>
-      <p:pic>
-        <p:nvPicPr>
-          <p:cNvPr id="38" name="Picture Placeholder 37" descr="A lady in the office smiling at the camera&#10;">
-            <a:extLst>
-              <a:ext uri="{FF2B5EF4-FFF2-40B4-BE49-F238E27FC236}">
-                <a16:creationId xmlns:a16="http://schemas.microsoft.com/office/drawing/2014/main" id="{8A6BB597-41F4-432E-8432-8F39511B2941}"/>
-              </a:ext>
-            </a:extLst>
-          </p:cNvPr>
-          <p:cNvPicPr>
-            <a:picLocks noGrp="1" noChangeAspect="1"/>
-          </p:cNvPicPr>
-          <p:nvPr>
-            <p:ph type="pic" sz="quarter" idx="15"/>
-          </p:nvPr>
-        </p:nvPicPr>
-        <p:blipFill rotWithShape="1">
-          <a:blip r:embed="rId5" cstate="screen">
-            <a:extLst>
-              <a:ext uri="{28A0092B-C50C-407E-A947-70E740481C1C}">
-                <a14:useLocalDpi xmlns:a14="http://schemas.microsoft.com/office/drawing/2010/main" val="0"/>
-              </a:ext>
-            </a:extLst>
-          </a:blip>
-          <a:srcRect/>
-          <a:stretch/>
-        </p:blipFill>
-        <p:spPr>
-          <a:xfrm>
-            <a:off x="6661976" y="1993392"/>
-            <a:ext cx="1691640" cy="1435608"/>
-          </a:xfrm>
-        </p:spPr>
-      </p:pic>
-      <p:pic>
-        <p:nvPicPr>
-          <p:cNvPr id="40" name="Picture Placeholder 39" descr="Smiling man with a beard">
-            <a:extLst>
-              <a:ext uri="{FF2B5EF4-FFF2-40B4-BE49-F238E27FC236}">
-                <a16:creationId xmlns:a16="http://schemas.microsoft.com/office/drawing/2014/main" id="{76B2FC80-9F3B-46D8-94D9-882D90A858F6}"/>
-              </a:ext>
-            </a:extLst>
-          </p:cNvPr>
-          <p:cNvPicPr>
-            <a:picLocks noGrp="1" noChangeAspect="1"/>
-          </p:cNvPicPr>
-          <p:nvPr>
-            <p:ph type="pic" sz="quarter" idx="16"/>
-          </p:nvPr>
-        </p:nvPicPr>
-        <p:blipFill rotWithShape="1">
-          <a:blip r:embed="rId6" cstate="screen">
-            <a:extLst>
-              <a:ext uri="{28A0092B-C50C-407E-A947-70E740481C1C}">
-                <a14:useLocalDpi xmlns:a14="http://schemas.microsoft.com/office/drawing/2010/main" val="0"/>
-              </a:ext>
-            </a:extLst>
-          </a:blip>
-          <a:srcRect/>
-          <a:stretch/>
-        </p:blipFill>
-        <p:spPr>
-          <a:xfrm>
-            <a:off x="9485568" y="1990724"/>
+            <a:off x="3655829" y="1990724"/>
             <a:ext cx="1691640" cy="1435608"/>
           </a:xfrm>
         </p:spPr>
@@ -19263,12 +19163,20 @@
           </a:xfrm>
         </p:spPr>
         <p:txBody>
-          <a:bodyPr/>
+          <a:bodyPr vert="horz" wrap="square" lIns="0" tIns="0" rIns="0" bIns="0" rtlCol="0" anchor="t">
+            <a:noAutofit/>
+          </a:bodyPr>
           <a:lstStyle/>
           <a:p>
             <a:r>
-              <a:rPr lang="en-US" dirty="0"/>
-              <a:t>Name</a:t>
+              <a:rPr lang="en-US">
+                <a:solidFill>
+                  <a:srgbClr val="FFFFFF">
+                    <a:alpha val="60000"/>
+                  </a:srgbClr>
+                </a:solidFill>
+              </a:rPr>
+              <a:t>GWEN</a:t>
             </a:r>
           </a:p>
         </p:txBody>
@@ -19300,7 +19208,7 @@
           <a:lstStyle/>
           <a:p>
             <a:r>
-              <a:rPr lang="en-US" dirty="0"/>
+              <a:rPr lang="en-US"/>
               <a:t>Title</a:t>
             </a:r>
           </a:p>
@@ -19329,12 +19237,20 @@
           </a:xfrm>
         </p:spPr>
         <p:txBody>
-          <a:bodyPr/>
+          <a:bodyPr vert="horz" wrap="square" lIns="0" tIns="0" rIns="0" bIns="0" rtlCol="0" anchor="t">
+            <a:noAutofit/>
+          </a:bodyPr>
           <a:lstStyle/>
           <a:p>
             <a:r>
-              <a:rPr lang="en-US" dirty="0"/>
-              <a:t>Name</a:t>
+              <a:rPr lang="en-US">
+                <a:solidFill>
+                  <a:srgbClr val="FFFFFF">
+                    <a:alpha val="60000"/>
+                  </a:srgbClr>
+                </a:solidFill>
+              </a:rPr>
+              <a:t>Hannah</a:t>
             </a:r>
           </a:p>
         </p:txBody>
@@ -19366,7 +19282,7 @@
           <a:lstStyle/>
           <a:p>
             <a:r>
-              <a:rPr lang="en-US" dirty="0"/>
+              <a:rPr lang="en-US"/>
               <a:t>Title</a:t>
             </a:r>
           </a:p>
@@ -19390,18 +19306,23 @@
         </p:nvSpPr>
         <p:spPr>
           <a:xfrm>
-            <a:off x="6662743" y="3781425"/>
-            <a:ext cx="1711325" cy="365760"/>
+            <a:off x="7008301" y="3737123"/>
+            <a:ext cx="1365767" cy="427782"/>
           </a:xfrm>
         </p:spPr>
         <p:txBody>
-          <a:bodyPr/>
+          <a:bodyPr vert="horz" wrap="square" lIns="0" tIns="0" rIns="0" bIns="0" rtlCol="0" anchor="t">
+            <a:noAutofit/>
+          </a:bodyPr>
           <a:lstStyle/>
           <a:p>
-            <a:r>
-              <a:rPr lang="en-US" dirty="0"/>
-              <a:t>Name</a:t>
-            </a:r>
+            <a:endParaRPr lang="en-US" dirty="0">
+              <a:solidFill>
+                <a:srgbClr val="FFFFFF">
+                  <a:alpha val="60000"/>
+                </a:srgbClr>
+              </a:solidFill>
+            </a:endParaRPr>
           </a:p>
         </p:txBody>
       </p:sp>
@@ -19428,12 +19349,20 @@
           </a:xfrm>
         </p:spPr>
         <p:txBody>
-          <a:bodyPr/>
+          <a:bodyPr vert="horz" wrap="square" lIns="0" tIns="0" rIns="0" bIns="0" rtlCol="0" anchor="t">
+            <a:noAutofit/>
+          </a:bodyPr>
           <a:lstStyle/>
           <a:p>
             <a:r>
-              <a:rPr lang="en-US" dirty="0"/>
-              <a:t>Title</a:t>
+              <a:rPr lang="en-US">
+                <a:solidFill>
+                  <a:srgbClr val="FFFFFF">
+                    <a:alpha val="60000"/>
+                  </a:srgbClr>
+                </a:solidFill>
+              </a:rPr>
+              <a:t>.</a:t>
             </a:r>
           </a:p>
         </p:txBody>
@@ -19461,13 +19390,18 @@
           </a:xfrm>
         </p:spPr>
         <p:txBody>
-          <a:bodyPr/>
+          <a:bodyPr vert="horz" wrap="square" lIns="0" tIns="0" rIns="0" bIns="0" rtlCol="0" anchor="t">
+            <a:noAutofit/>
+          </a:bodyPr>
           <a:lstStyle/>
           <a:p>
-            <a:r>
-              <a:rPr lang="en-US" dirty="0"/>
-              <a:t>Name</a:t>
-            </a:r>
+            <a:endParaRPr lang="en-US">
+              <a:solidFill>
+                <a:srgbClr val="FFFFFF">
+                  <a:alpha val="60000"/>
+                </a:srgbClr>
+              </a:solidFill>
+            </a:endParaRPr>
           </a:p>
         </p:txBody>
       </p:sp>
@@ -19494,13 +19428,18 @@
           </a:xfrm>
         </p:spPr>
         <p:txBody>
-          <a:bodyPr/>
+          <a:bodyPr vert="horz" wrap="square" lIns="0" tIns="0" rIns="0" bIns="0" rtlCol="0" anchor="t">
+            <a:noAutofit/>
+          </a:bodyPr>
           <a:lstStyle/>
           <a:p>
-            <a:r>
-              <a:rPr lang="en-US" dirty="0"/>
-              <a:t>Title</a:t>
-            </a:r>
+            <a:endParaRPr lang="en-US">
+              <a:solidFill>
+                <a:srgbClr val="FFFFFF">
+                  <a:alpha val="60000"/>
+                </a:srgbClr>
+              </a:solidFill>
+            </a:endParaRPr>
           </a:p>
         </p:txBody>
       </p:sp>
@@ -19534,7 +19473,6 @@
               <a:rPr lang="en-US"/>
               <a:t>Tuesday, February 2, 20XX</a:t>
             </a:r>
-            <a:endParaRPr lang="en-US" dirty="0"/>
           </a:p>
         </p:txBody>
       </p:sp>
@@ -19663,7 +19601,7 @@
           <a:lstStyle/>
           <a:p>
             <a:r>
-              <a:rPr lang="en-US" dirty="0"/>
+              <a:rPr lang="en-US"/>
               <a:t>Chart</a:t>
             </a:r>
           </a:p>
@@ -19730,7 +19668,6 @@
               <a:rPr lang="en-US"/>
               <a:t>Tuesday, February 2, 20XX</a:t>
             </a:r>
-            <a:endParaRPr lang="en-US" dirty="0"/>
           </a:p>
         </p:txBody>
       </p:sp>
@@ -19859,7 +19796,7 @@
           <a:lstStyle/>
           <a:p>
             <a:r>
-              <a:rPr lang="en-US" dirty="0"/>
+              <a:rPr lang="en-US"/>
               <a:t>Table</a:t>
             </a:r>
           </a:p>
@@ -19940,7 +19877,7 @@
                     <a:lstStyle/>
                     <a:p>
                       <a:pPr algn="ctr"/>
-                      <a:endParaRPr lang="en-US" dirty="0"/>
+                      <a:endParaRPr lang="en-US"/>
                     </a:p>
                   </a:txBody>
                   <a:tcPr anchor="ctr">
@@ -19992,7 +19929,7 @@
                     <a:p>
                       <a:pPr algn="ctr"/>
                       <a:r>
-                        <a:rPr lang="en-US" dirty="0"/>
+                        <a:rPr lang="en-US"/>
                         <a:t>Category 1</a:t>
                       </a:r>
                     </a:p>
@@ -20046,7 +19983,7 @@
                     <a:p>
                       <a:pPr algn="ctr"/>
                       <a:r>
-                        <a:rPr lang="en-US" dirty="0"/>
+                        <a:rPr lang="en-US"/>
                         <a:t>Category 2</a:t>
                       </a:r>
                     </a:p>
@@ -20100,7 +20037,7 @@
                     <a:p>
                       <a:pPr algn="ctr"/>
                       <a:r>
-                        <a:rPr lang="en-US" dirty="0"/>
+                        <a:rPr lang="en-US"/>
                         <a:t>Category 3</a:t>
                       </a:r>
                     </a:p>
@@ -20154,7 +20091,7 @@
                     <a:p>
                       <a:pPr algn="ctr"/>
                       <a:r>
-                        <a:rPr lang="en-US" dirty="0"/>
+                        <a:rPr lang="en-US"/>
                         <a:t>Category 4</a:t>
                       </a:r>
                     </a:p>
@@ -20215,7 +20152,7 @@
                     <a:p>
                       <a:pPr algn="ctr"/>
                       <a:r>
-                        <a:rPr lang="en-US" dirty="0">
+                        <a:rPr lang="en-US">
                           <a:solidFill>
                             <a:schemeClr val="tx1"/>
                           </a:solidFill>
@@ -20271,7 +20208,7 @@
                     <a:p>
                       <a:pPr algn="ctr"/>
                       <a:r>
-                        <a:rPr lang="en-US" dirty="0">
+                        <a:rPr lang="en-US">
                           <a:solidFill>
                             <a:schemeClr val="tx1"/>
                           </a:solidFill>
@@ -20327,7 +20264,7 @@
                     <a:p>
                       <a:pPr algn="ctr"/>
                       <a:r>
-                        <a:rPr lang="en-US" dirty="0">
+                        <a:rPr lang="en-US">
                           <a:solidFill>
                             <a:schemeClr val="tx1"/>
                           </a:solidFill>
@@ -20383,7 +20320,7 @@
                     <a:p>
                       <a:pPr algn="ctr"/>
                       <a:r>
-                        <a:rPr lang="en-US" dirty="0">
+                        <a:rPr lang="en-US">
                           <a:solidFill>
                             <a:schemeClr val="tx1"/>
                           </a:solidFill>
@@ -20439,7 +20376,7 @@
                     <a:p>
                       <a:pPr algn="ctr"/>
                       <a:r>
-                        <a:rPr lang="en-US" dirty="0">
+                        <a:rPr lang="en-US">
                           <a:solidFill>
                             <a:schemeClr val="tx1"/>
                           </a:solidFill>
@@ -20502,7 +20439,7 @@
                     <a:p>
                       <a:pPr algn="ctr"/>
                       <a:r>
-                        <a:rPr lang="en-US" dirty="0">
+                        <a:rPr lang="en-US">
                           <a:solidFill>
                             <a:schemeClr val="tx1"/>
                           </a:solidFill>
@@ -20558,7 +20495,7 @@
                     <a:p>
                       <a:pPr algn="ctr"/>
                       <a:r>
-                        <a:rPr lang="en-US" dirty="0">
+                        <a:rPr lang="en-US">
                           <a:solidFill>
                             <a:schemeClr val="tx1"/>
                           </a:solidFill>
@@ -20614,7 +20551,7 @@
                     <a:p>
                       <a:pPr algn="ctr"/>
                       <a:r>
-                        <a:rPr lang="en-US" dirty="0">
+                        <a:rPr lang="en-US">
                           <a:solidFill>
                             <a:schemeClr val="tx1"/>
                           </a:solidFill>
@@ -20670,7 +20607,7 @@
                     <a:p>
                       <a:pPr algn="ctr"/>
                       <a:r>
-                        <a:rPr lang="en-US" dirty="0">
+                        <a:rPr lang="en-US">
                           <a:solidFill>
                             <a:schemeClr val="tx1"/>
                           </a:solidFill>
@@ -20726,7 +20663,7 @@
                     <a:p>
                       <a:pPr algn="ctr"/>
                       <a:r>
-                        <a:rPr lang="en-US" dirty="0">
+                        <a:rPr lang="en-US">
                           <a:solidFill>
                             <a:schemeClr val="tx1"/>
                           </a:solidFill>
@@ -20789,7 +20726,7 @@
                     <a:p>
                       <a:pPr algn="ctr"/>
                       <a:r>
-                        <a:rPr lang="en-US" dirty="0">
+                        <a:rPr lang="en-US">
                           <a:solidFill>
                             <a:schemeClr val="tx1"/>
                           </a:solidFill>
@@ -20845,7 +20782,7 @@
                     <a:p>
                       <a:pPr algn="ctr"/>
                       <a:r>
-                        <a:rPr lang="en-US" dirty="0">
+                        <a:rPr lang="en-US">
                           <a:solidFill>
                             <a:schemeClr val="tx1"/>
                           </a:solidFill>
@@ -20901,7 +20838,7 @@
                     <a:p>
                       <a:pPr algn="ctr"/>
                       <a:r>
-                        <a:rPr lang="en-US" dirty="0">
+                        <a:rPr lang="en-US">
                           <a:solidFill>
                             <a:schemeClr val="tx1"/>
                           </a:solidFill>
@@ -20957,7 +20894,7 @@
                     <a:p>
                       <a:pPr algn="ctr"/>
                       <a:r>
-                        <a:rPr lang="en-US" dirty="0">
+                        <a:rPr lang="en-US">
                           <a:solidFill>
                             <a:schemeClr val="tx1"/>
                           </a:solidFill>
@@ -21013,7 +20950,7 @@
                     <a:p>
                       <a:pPr algn="ctr"/>
                       <a:r>
-                        <a:rPr lang="en-US" dirty="0">
+                        <a:rPr lang="en-US">
                           <a:solidFill>
                             <a:schemeClr val="tx1"/>
                           </a:solidFill>
@@ -21076,7 +21013,7 @@
                     <a:p>
                       <a:pPr algn="ctr"/>
                       <a:r>
-                        <a:rPr lang="en-US" dirty="0">
+                        <a:rPr lang="en-US">
                           <a:solidFill>
                             <a:schemeClr val="tx1"/>
                           </a:solidFill>
@@ -21132,7 +21069,7 @@
                     <a:p>
                       <a:pPr algn="ctr"/>
                       <a:r>
-                        <a:rPr lang="en-US" dirty="0">
+                        <a:rPr lang="en-US">
                           <a:solidFill>
                             <a:schemeClr val="tx1"/>
                           </a:solidFill>
@@ -21188,7 +21125,7 @@
                     <a:p>
                       <a:pPr algn="ctr"/>
                       <a:r>
-                        <a:rPr lang="en-US" dirty="0">
+                        <a:rPr lang="en-US">
                           <a:solidFill>
                             <a:schemeClr val="tx1"/>
                           </a:solidFill>
@@ -21244,7 +21181,7 @@
                     <a:p>
                       <a:pPr algn="ctr"/>
                       <a:r>
-                        <a:rPr lang="en-US" dirty="0">
+                        <a:rPr lang="en-US">
                           <a:solidFill>
                             <a:schemeClr val="tx1"/>
                           </a:solidFill>
@@ -21300,7 +21237,7 @@
                     <a:p>
                       <a:pPr algn="ctr"/>
                       <a:r>
-                        <a:rPr lang="en-US" dirty="0">
+                        <a:rPr lang="en-US">
                           <a:solidFill>
                             <a:schemeClr val="tx1"/>
                           </a:solidFill>
@@ -21519,7 +21456,7 @@
           <a:lstStyle/>
           <a:p>
             <a:r>
-              <a:rPr lang="en-US" dirty="0"/>
+              <a:rPr lang="en-US"/>
               <a:t>The way to get started is to quit talking and begin doing.</a:t>
             </a:r>
           </a:p>
@@ -21552,12 +21489,12 @@
           <a:lstStyle/>
           <a:p>
             <a:r>
-              <a:rPr lang="en-US" dirty="0"/>
+              <a:rPr lang="en-US"/>
               <a:t>Walt Disney</a:t>
             </a:r>
           </a:p>
           <a:p>
-            <a:endParaRPr lang="en-US" dirty="0"/>
+            <a:endParaRPr lang="en-US"/>
           </a:p>
         </p:txBody>
       </p:sp>
@@ -21625,7 +21562,6 @@
               <a:rPr lang="en-US"/>
               <a:t>Tuesday, February 2, 20XX</a:t>
             </a:r>
-            <a:endParaRPr lang="en-US" dirty="0"/>
           </a:p>
         </p:txBody>
       </p:sp>
@@ -21754,7 +21690,7 @@
           <a:lstStyle/>
           <a:p>
             <a:r>
-              <a:rPr lang="en-US" dirty="0"/>
+              <a:rPr lang="en-US"/>
               <a:t>Timeline</a:t>
             </a:r>
           </a:p>
@@ -21821,7 +21757,6 @@
               <a:rPr lang="en-US"/>
               <a:t>Tuesday, February 2, 20XX</a:t>
             </a:r>
-            <a:endParaRPr lang="en-US" dirty="0"/>
           </a:p>
         </p:txBody>
       </p:sp>
@@ -22280,7 +22215,7 @@
           <a:lstStyle/>
           <a:p>
             <a:r>
-              <a:rPr lang="en-US" dirty="0"/>
+              <a:rPr lang="en-US"/>
               <a:t>Content </a:t>
             </a:r>
           </a:p>
@@ -22316,7 +22251,6 @@
               <a:rPr lang="en-US"/>
               <a:t>Subtitle</a:t>
             </a:r>
-            <a:endParaRPr lang="en-US" dirty="0"/>
           </a:p>
         </p:txBody>
       </p:sp>
@@ -22347,19 +22281,19 @@
           <a:lstStyle/>
           <a:p>
             <a:r>
-              <a:rPr lang="en-US" dirty="0"/>
+              <a:rPr lang="en-US"/>
               <a:t>Add text, images, art, and videos. </a:t>
             </a:r>
           </a:p>
           <a:p>
             <a:r>
-              <a:rPr lang="en-US" dirty="0"/>
+              <a:rPr lang="en-US"/>
               <a:t>Add transitions, animations, and motion. </a:t>
             </a:r>
           </a:p>
           <a:p>
             <a:r>
-              <a:rPr lang="en-US" dirty="0"/>
+              <a:rPr lang="en-US"/>
               <a:t>Save to OneDrive, to get to your presentations from your computer, tablet, or phone. </a:t>
             </a:r>
           </a:p>
@@ -22392,7 +22326,7 @@
           <a:lstStyle/>
           <a:p>
             <a:r>
-              <a:rPr lang="en-US" dirty="0"/>
+              <a:rPr lang="en-US"/>
               <a:t>Subtitle</a:t>
             </a:r>
           </a:p>
@@ -22425,18 +22359,18 @@
           <a:lstStyle/>
           <a:p>
             <a:r>
-              <a:rPr lang="en-US" dirty="0"/>
+              <a:rPr lang="en-US"/>
               <a:t>Open the Design Ideas pane for instant slide makeovers. </a:t>
             </a:r>
           </a:p>
           <a:p>
             <a:r>
-              <a:rPr lang="en-US" dirty="0"/>
+              <a:rPr lang="en-US"/>
               <a:t>When we have design ideas, we’ll show them to you right there. </a:t>
             </a:r>
           </a:p>
           <a:p>
-            <a:endParaRPr lang="en-US" dirty="0"/>
+            <a:endParaRPr lang="en-US"/>
           </a:p>
         </p:txBody>
       </p:sp>
@@ -22470,7 +22404,6 @@
               <a:rPr lang="en-US"/>
               <a:t>Tuesday, February 2, 20XX</a:t>
             </a:r>
-            <a:endParaRPr lang="en-US" dirty="0"/>
           </a:p>
         </p:txBody>
       </p:sp>
@@ -22760,7 +22693,7 @@
           <a:lstStyle/>
           <a:p>
             <a:r>
-              <a:rPr lang="en-US" dirty="0"/>
+              <a:rPr lang="en-US"/>
               <a:t>Content 2 </a:t>
             </a:r>
           </a:p>
@@ -22793,7 +22726,7 @@
           <a:lstStyle/>
           <a:p>
             <a:r>
-              <a:rPr lang="en-US" dirty="0"/>
+              <a:rPr lang="en-US"/>
               <a:t>Subtitle</a:t>
             </a:r>
           </a:p>
@@ -22829,42 +22762,42 @@
           <a:p>
             <a:pPr lvl="0"/>
             <a:r>
-              <a:rPr lang="en-US" dirty="0"/>
+              <a:rPr lang="en-US"/>
               <a:t>Add text, images, art, and videos. </a:t>
             </a:r>
           </a:p>
           <a:p>
             <a:pPr lvl="0"/>
             <a:r>
-              <a:rPr lang="en-US" dirty="0"/>
+              <a:rPr lang="en-US"/>
               <a:t>Add transitions, animations, and motion. </a:t>
             </a:r>
           </a:p>
           <a:p>
             <a:pPr lvl="0"/>
             <a:r>
-              <a:rPr lang="en-US" dirty="0"/>
+              <a:rPr lang="en-US"/>
               <a:t>Save to OneDrive, to get to your presentations from your computer, tablet, or phone. </a:t>
             </a:r>
           </a:p>
           <a:p>
             <a:r>
-              <a:rPr lang="en-US" dirty="0"/>
+              <a:rPr lang="en-US"/>
               <a:t>Open the Design Ideas pane for instant slide makeovers. </a:t>
             </a:r>
           </a:p>
           <a:p>
             <a:r>
-              <a:rPr lang="en-US" dirty="0"/>
+              <a:rPr lang="en-US"/>
               <a:t>When we have design ideas, we’ll show them to you right there. </a:t>
             </a:r>
           </a:p>
           <a:p>
             <a:pPr lvl="0"/>
-            <a:endParaRPr lang="en-US" dirty="0"/>
-          </a:p>
-          <a:p>
-            <a:endParaRPr lang="en-US" dirty="0"/>
+            <a:endParaRPr lang="en-US"/>
+          </a:p>
+          <a:p>
+            <a:endParaRPr lang="en-US"/>
           </a:p>
         </p:txBody>
       </p:sp>
@@ -22895,7 +22828,7 @@
           <a:lstStyle/>
           <a:p>
             <a:r>
-              <a:rPr lang="en-US" dirty="0"/>
+              <a:rPr lang="en-US"/>
               <a:t>subtitle</a:t>
             </a:r>
           </a:p>
@@ -22931,33 +22864,33 @@
           <a:p>
             <a:pPr lvl="0"/>
             <a:r>
-              <a:rPr lang="en-US" dirty="0"/>
+              <a:rPr lang="en-US"/>
               <a:t>Add text, images, art, and videos. </a:t>
             </a:r>
           </a:p>
           <a:p>
             <a:pPr lvl="0"/>
             <a:r>
-              <a:rPr lang="en-US" dirty="0"/>
+              <a:rPr lang="en-US"/>
               <a:t>Add transitions, animations, and motion. </a:t>
             </a:r>
           </a:p>
           <a:p>
             <a:pPr lvl="0"/>
             <a:r>
-              <a:rPr lang="en-US" dirty="0"/>
+              <a:rPr lang="en-US"/>
               <a:t>Save to OneDrive, to get to your presentations from your computer, tablet, or phone. </a:t>
             </a:r>
           </a:p>
           <a:p>
             <a:r>
-              <a:rPr lang="en-US" dirty="0"/>
+              <a:rPr lang="en-US"/>
               <a:t>Open the Design Ideas pane for instant slide makeovers. </a:t>
             </a:r>
           </a:p>
           <a:p>
             <a:r>
-              <a:rPr lang="en-US" dirty="0"/>
+              <a:rPr lang="en-US"/>
               <a:t>When we have design ideas, we’ll show them to you right there.</a:t>
             </a:r>
           </a:p>
@@ -22993,7 +22926,6 @@
               <a:rPr lang="en-US"/>
               <a:t>subtitle</a:t>
             </a:r>
-            <a:endParaRPr lang="en-US" dirty="0"/>
           </a:p>
         </p:txBody>
       </p:sp>
@@ -23027,33 +22959,33 @@
           <a:p>
             <a:pPr lvl="0"/>
             <a:r>
-              <a:rPr lang="en-US" dirty="0"/>
+              <a:rPr lang="en-US"/>
               <a:t>Add text, images, art, and videos. </a:t>
             </a:r>
           </a:p>
           <a:p>
             <a:pPr lvl="0"/>
             <a:r>
-              <a:rPr lang="en-US" dirty="0"/>
+              <a:rPr lang="en-US"/>
               <a:t>Add transitions, animations, and motion. </a:t>
             </a:r>
           </a:p>
           <a:p>
             <a:pPr lvl="0"/>
             <a:r>
-              <a:rPr lang="en-US" dirty="0"/>
+              <a:rPr lang="en-US"/>
               <a:t>Save to OneDrive, to get to your presentations from your computer, tablet, or phone. </a:t>
             </a:r>
           </a:p>
           <a:p>
             <a:r>
-              <a:rPr lang="en-US" dirty="0"/>
+              <a:rPr lang="en-US"/>
               <a:t>Open the Design Ideas pane for instant slide makeovers. </a:t>
             </a:r>
           </a:p>
           <a:p>
             <a:r>
-              <a:rPr lang="en-US" dirty="0"/>
+              <a:rPr lang="en-US"/>
               <a:t>When we have design ideas, we’ll show them to you right there.</a:t>
             </a:r>
           </a:p>
@@ -23089,7 +23021,6 @@
               <a:rPr lang="en-US"/>
               <a:t>Tuesday, February 2, 20XX</a:t>
             </a:r>
-            <a:endParaRPr lang="en-US" dirty="0"/>
           </a:p>
         </p:txBody>
       </p:sp>
@@ -23218,7 +23149,7 @@
           <a:lstStyle/>
           <a:p>
             <a:r>
-              <a:rPr lang="en-US" dirty="0"/>
+              <a:rPr lang="en-US"/>
               <a:t>Agenda</a:t>
             </a:r>
           </a:p>
@@ -23251,36 +23182,36 @@
           <a:lstStyle/>
           <a:p>
             <a:r>
-              <a:rPr lang="en-US" dirty="0"/>
+              <a:rPr lang="en-US"/>
               <a:t>Introduction – (what is this all about)</a:t>
             </a:r>
           </a:p>
           <a:p>
             <a:r>
-              <a:rPr lang="en-US" dirty="0"/>
+              <a:rPr lang="en-US"/>
               <a:t>Getting Started – (what research did you do)</a:t>
             </a:r>
           </a:p>
           <a:p>
             <a:r>
-              <a:rPr lang="en-US" dirty="0"/>
+              <a:rPr lang="en-US"/>
               <a:t>Interview Description – (who was the user, what are their needs)</a:t>
             </a:r>
           </a:p>
           <a:p>
             <a:r>
-              <a:rPr lang="en-US" dirty="0"/>
+              <a:rPr lang="en-US"/>
               <a:t>Selection – (explain a few considerations) </a:t>
             </a:r>
           </a:p>
           <a:p>
             <a:r>
-              <a:rPr lang="en-US" dirty="0"/>
+              <a:rPr lang="en-US"/>
               <a:t>Justification – (why does this fit the users needs)</a:t>
             </a:r>
           </a:p>
           <a:p>
-            <a:endParaRPr lang="en-US" dirty="0"/>
+            <a:endParaRPr lang="en-US"/>
           </a:p>
         </p:txBody>
       </p:sp>
@@ -23446,7 +23377,7 @@
           <a:lstStyle/>
           <a:p>
             <a:r>
-              <a:rPr lang="en-US" dirty="0"/>
+              <a:rPr lang="en-US"/>
               <a:t>Sample Footer Text</a:t>
             </a:r>
           </a:p>
@@ -23547,7 +23478,6 @@
               <a:rPr lang="en-US"/>
               <a:t>Introduction</a:t>
             </a:r>
-            <a:endParaRPr lang="en-US" dirty="0"/>
           </a:p>
         </p:txBody>
       </p:sp>
@@ -23683,7 +23613,6 @@
               <a:rPr lang="en-US"/>
               <a:t>Tuesday, February 2, 20XX</a:t>
             </a:r>
-            <a:endParaRPr lang="en-US" dirty="0"/>
           </a:p>
         </p:txBody>
       </p:sp>
@@ -23813,15 +23742,59 @@
           <a:noFill/>
         </p:spPr>
         <p:txBody>
-          <a:bodyPr>
-            <a:normAutofit/>
+          <a:bodyPr vert="horz" wrap="square" lIns="0" tIns="0" rIns="0" bIns="0" rtlCol="0" anchor="t">
+            <a:noAutofit/>
           </a:bodyPr>
           <a:lstStyle/>
           <a:p>
             <a:r>
-              <a:rPr lang="en-US" dirty="0"/>
-              <a:t>With PowerPoint, you can create presentations and share your work with others, wherever they are. Type the text you want here to get started. You can also add images, art, and videos on this template. Save to OneDrive and access your presentations from your computer, tablet, or phone. </a:t>
+              <a:rPr lang="en-US" sz="1600">
+                <a:solidFill>
+                  <a:srgbClr val="FFFFFF">
+                    <a:alpha val="60000"/>
+                  </a:srgbClr>
+                </a:solidFill>
+              </a:rPr>
+              <a:t>This topic is all about researching computers and their parts we researched a desktop pc, laptop pc, desktop mac and mac book. And went and </a:t>
             </a:r>
+            <a:r>
+              <a:rPr lang="en-US" sz="1600" err="1">
+                <a:solidFill>
+                  <a:srgbClr val="FFFFFF">
+                    <a:alpha val="60000"/>
+                  </a:srgbClr>
+                </a:solidFill>
+              </a:rPr>
+              <a:t>intervied</a:t>
+            </a:r>
+            <a:r>
+              <a:rPr lang="en-US" sz="1600">
+                <a:solidFill>
+                  <a:srgbClr val="FFFFFF">
+                    <a:alpha val="60000"/>
+                  </a:srgbClr>
+                </a:solidFill>
+              </a:rPr>
+              <a:t> someone and asked them questions like how often do you use your computer? And then asked them what they used it for. Then gave them a few options to choose from that they thought would best suit them.</a:t>
+            </a:r>
+          </a:p>
+          <a:p>
+            <a:endParaRPr lang="en-US" sz="1400">
+              <a:solidFill>
+                <a:srgbClr val="FFFFFF">
+                  <a:alpha val="60000"/>
+                </a:srgbClr>
+              </a:solidFill>
+            </a:endParaRPr>
+          </a:p>
+          <a:p>
+            <a:endParaRPr lang="en-US" sz="1400">
+              <a:solidFill>
+                <a:srgbClr val="FFFFFF">
+                  <a:alpha val="60000"/>
+                </a:srgbClr>
+              </a:solidFill>
+            </a:endParaRPr>
           </a:p>
         </p:txBody>
       </p:sp>
@@ -24967,10 +24940,10 @@
               </a:lnSpc>
             </a:pPr>
             <a:r>
-              <a:rPr lang="en-US" dirty="0"/>
+              <a:rPr lang="en-US"/>
               <a:t>Getting Started</a:t>
             </a:r>
-            <a:endParaRPr lang="en-US" sz="6400" kern="1200" dirty="0">
+            <a:endParaRPr lang="en-US" sz="6400" kern="1200">
               <a:solidFill>
                 <a:schemeClr val="tx1"/>
               </a:solidFill>
@@ -25004,7 +24977,7 @@
           </a:xfrm>
         </p:spPr>
         <p:txBody>
-          <a:bodyPr vert="horz" wrap="square" lIns="0" tIns="0" rIns="0" bIns="0" rtlCol="0">
+          <a:bodyPr vert="horz" wrap="square" lIns="0" tIns="0" rIns="0" bIns="0" rtlCol="0" anchor="t">
             <a:normAutofit/>
           </a:bodyPr>
           <a:lstStyle/>
@@ -25013,16 +24986,58 @@
               <a:lnSpc>
                 <a:spcPct val="100000"/>
               </a:lnSpc>
-              <a:buNone/>
             </a:pPr>
             <a:r>
-              <a:rPr lang="en-US" kern="1200" dirty="0">
-                <a:latin typeface="+mn-lt"/>
-                <a:ea typeface="+mn-ea"/>
-                <a:cs typeface="+mn-cs"/>
+              <a:rPr lang="en-US" dirty="0">
+                <a:solidFill>
+                  <a:srgbClr val="FFFFFF">
+                    <a:alpha val="60000"/>
+                  </a:srgbClr>
+                </a:solidFill>
               </a:rPr>
-              <a:t>Subtitle</a:t>
+              <a:t>I researched  4 different types of computers a Mac book, Mac desktop, desktop PC and a Laptop PC. that my dad could choose from and what </a:t>
             </a:r>
+            <a:r>
+              <a:rPr lang="en-US" dirty="0" err="1">
+                <a:solidFill>
+                  <a:srgbClr val="FFFFFF">
+                    <a:alpha val="60000"/>
+                  </a:srgbClr>
+                </a:solidFill>
+              </a:rPr>
+              <a:t>componites</a:t>
+            </a:r>
+            <a:r>
+              <a:rPr lang="en-US" dirty="0">
+                <a:solidFill>
+                  <a:srgbClr val="FFFFFF">
+                    <a:alpha val="60000"/>
+                  </a:srgbClr>
+                </a:solidFill>
+              </a:rPr>
+              <a:t> that they have inside of them </a:t>
+            </a:r>
+            <a:r>
+              <a:rPr lang="en-US" dirty="0" err="1">
+                <a:solidFill>
+                  <a:srgbClr val="FFFFFF">
+                    <a:alpha val="60000"/>
+                  </a:srgbClr>
+                </a:solidFill>
+              </a:rPr>
+              <a:t>Eg.</a:t>
+            </a:r>
+            <a:r>
+              <a:rPr lang="en-US" dirty="0">
+                <a:solidFill>
+                  <a:srgbClr val="FFFFFF">
+                    <a:alpha val="60000"/>
+                  </a:srgbClr>
+                </a:solidFill>
+              </a:rPr>
+              <a:t> The ram, mother board Etc.</a:t>
+            </a:r>
+            <a:endParaRPr lang="en-US" dirty="0"/>
           </a:p>
         </p:txBody>
       </p:sp>
@@ -26253,10 +26268,10 @@
               </a:lnSpc>
             </a:pPr>
             <a:r>
-              <a:rPr lang="en-US" dirty="0"/>
+              <a:rPr lang="en-US"/>
               <a:t>Interview Description</a:t>
             </a:r>
-            <a:endParaRPr lang="en-US" sz="6400" kern="1200" dirty="0">
+            <a:endParaRPr lang="en-US" sz="6400" kern="1200">
               <a:solidFill>
                 <a:schemeClr val="tx1"/>
               </a:solidFill>
@@ -26290,8 +26305,8 @@
           </a:xfrm>
         </p:spPr>
         <p:txBody>
-          <a:bodyPr vert="horz" wrap="square" lIns="0" tIns="0" rIns="0" bIns="0" rtlCol="0">
-            <a:normAutofit/>
+          <a:bodyPr vert="horz" wrap="square" lIns="0" tIns="0" rIns="0" bIns="0" rtlCol="0" anchor="t">
+            <a:normAutofit fontScale="92500" lnSpcReduction="20000"/>
           </a:bodyPr>
           <a:lstStyle/>
           <a:p>
@@ -26299,16 +26314,122 @@
               <a:lnSpc>
                 <a:spcPct val="100000"/>
               </a:lnSpc>
-              <a:buNone/>
             </a:pPr>
             <a:r>
-              <a:rPr lang="en-US" kern="1200" dirty="0">
-                <a:latin typeface="+mn-lt"/>
-                <a:ea typeface="+mn-ea"/>
-                <a:cs typeface="+mn-cs"/>
+              <a:rPr lang="en-US" dirty="0">
+                <a:solidFill>
+                  <a:srgbClr val="FFFFFF">
+                    <a:alpha val="60000"/>
+                  </a:srgbClr>
+                </a:solidFill>
               </a:rPr>
-              <a:t>Subtitle</a:t>
+              <a:t>The person I </a:t>
             </a:r>
+            <a:r>
+              <a:rPr lang="en-US" dirty="0" err="1">
+                <a:solidFill>
+                  <a:srgbClr val="FFFFFF">
+                    <a:alpha val="60000"/>
+                  </a:srgbClr>
+                </a:solidFill>
+              </a:rPr>
+              <a:t>interved</a:t>
+            </a:r>
+            <a:r>
+              <a:rPr lang="en-US" dirty="0">
+                <a:solidFill>
+                  <a:srgbClr val="FFFFFF">
+                    <a:alpha val="60000"/>
+                  </a:srgbClr>
+                </a:solidFill>
+              </a:rPr>
+              <a:t> was my dad he uses his Compter for </a:t>
+            </a:r>
+            <a:r>
+              <a:rPr lang="en-US">
+                <a:solidFill>
+                  <a:srgbClr val="FFFFFF">
+                    <a:alpha val="60000"/>
+                  </a:srgbClr>
+                </a:solidFill>
+              </a:rPr>
+              <a:t>work(he</a:t>
+            </a:r>
+            <a:r>
+              <a:rPr lang="en-US" dirty="0">
+                <a:solidFill>
+                  <a:srgbClr val="FFFFFF">
+                    <a:alpha val="60000"/>
+                  </a:srgbClr>
+                </a:solidFill>
+              </a:rPr>
+              <a:t> </a:t>
+            </a:r>
+            <a:r>
+              <a:rPr lang="en-US">
+                <a:solidFill>
+                  <a:srgbClr val="FFFFFF">
+                    <a:alpha val="60000"/>
+                  </a:srgbClr>
+                </a:solidFill>
+              </a:rPr>
+              <a:t>is a doctor so he uses his work computer daily) </a:t>
+            </a:r>
+            <a:r>
+              <a:rPr lang="en-US" dirty="0">
+                <a:solidFill>
+                  <a:srgbClr val="FFFFFF">
+                    <a:alpha val="60000"/>
+                  </a:srgbClr>
+                </a:solidFill>
+              </a:rPr>
+              <a:t>and </a:t>
+            </a:r>
+            <a:r>
+              <a:rPr lang="en-US">
+                <a:solidFill>
+                  <a:srgbClr val="FFFFFF">
+                    <a:alpha val="60000"/>
+                  </a:srgbClr>
+                </a:solidFill>
+              </a:rPr>
+              <a:t>uses his home computer for pictures and some work stuff</a:t>
+            </a:r>
+            <a:r>
+              <a:rPr lang="en-US" dirty="0">
+                <a:solidFill>
+                  <a:srgbClr val="FFFFFF">
+                    <a:alpha val="60000"/>
+                  </a:srgbClr>
+                </a:solidFill>
+              </a:rPr>
+              <a:t>. He thought that a </a:t>
+            </a:r>
+            <a:r>
+              <a:rPr lang="en-US" dirty="0" err="1">
+                <a:solidFill>
+                  <a:srgbClr val="FFFFFF">
+                    <a:alpha val="60000"/>
+                  </a:srgbClr>
+                </a:solidFill>
+              </a:rPr>
+              <a:t>Macbook</a:t>
+            </a:r>
+            <a:r>
+              <a:rPr lang="en-US" dirty="0">
+                <a:solidFill>
+                  <a:srgbClr val="FFFFFF">
+                    <a:alpha val="60000"/>
+                  </a:srgbClr>
+                </a:solidFill>
+              </a:rPr>
+              <a:t> would be best for him because he can easily take it with him and it has a lot of storge so he can keep a lot more stuff on it.</a:t>
+            </a:r>
+            <a:endParaRPr lang="en-US" kern="1200" dirty="0">
+              <a:latin typeface="+mn-lt"/>
+              <a:ea typeface="+mn-ea"/>
+              <a:cs typeface="+mn-cs"/>
+            </a:endParaRPr>
           </a:p>
         </p:txBody>
       </p:sp>
@@ -27351,7 +27472,12 @@
             <a:fillRect/>
           </a:stretch>
         </p:blipFill>
-        <p:spPr/>
+        <p:spPr>
+          <a:xfrm>
+            <a:off x="-150628" y="0"/>
+            <a:ext cx="12192000" cy="6858000"/>
+          </a:xfrm>
+        </p:spPr>
       </p:pic>
       <p:sp>
         <p:nvSpPr>
@@ -27539,10 +27665,10 @@
               </a:lnSpc>
             </a:pPr>
             <a:r>
-              <a:rPr lang="en-US" dirty="0"/>
+              <a:rPr lang="en-US"/>
               <a:t>Selection</a:t>
             </a:r>
-            <a:endParaRPr lang="en-US" sz="6400" kern="1200" dirty="0">
+            <a:endParaRPr lang="en-US" sz="6400" kern="1200">
               <a:solidFill>
                 <a:schemeClr val="tx1"/>
               </a:solidFill>
@@ -27576,8 +27702,8 @@
           </a:xfrm>
         </p:spPr>
         <p:txBody>
-          <a:bodyPr vert="horz" wrap="square" lIns="0" tIns="0" rIns="0" bIns="0" rtlCol="0">
-            <a:normAutofit/>
+          <a:bodyPr vert="horz" wrap="square" lIns="0" tIns="0" rIns="0" bIns="0" rtlCol="0" anchor="t">
+            <a:normAutofit fontScale="85000" lnSpcReduction="20000"/>
           </a:bodyPr>
           <a:lstStyle/>
           <a:p>
@@ -27585,15 +27711,60 @@
               <a:lnSpc>
                 <a:spcPct val="100000"/>
               </a:lnSpc>
-              <a:buNone/>
             </a:pPr>
             <a:r>
-              <a:rPr lang="en-US" kern="1200" dirty="0">
-                <a:latin typeface="+mn-lt"/>
-                <a:ea typeface="+mn-ea"/>
-                <a:cs typeface="+mn-cs"/>
+              <a:rPr lang="en-US" dirty="0">
+                <a:solidFill>
+                  <a:srgbClr val="FFFFFF">
+                    <a:alpha val="60000"/>
+                  </a:srgbClr>
+                </a:solidFill>
               </a:rPr>
-              <a:t>Subtitle</a:t>
+              <a:t>A couple things to consider were how </a:t>
+            </a:r>
+            <a:r>
+              <a:rPr lang="en-US">
+                <a:solidFill>
+                  <a:srgbClr val="FFFFFF">
+                    <a:alpha val="60000"/>
+                  </a:srgbClr>
+                </a:solidFill>
+              </a:rPr>
+              <a:t>much storage the computer had.</a:t>
+            </a:r>
+          </a:p>
+          <a:p>
+            <a:pPr marL="0" indent="0">
+              <a:lnSpc>
+                <a:spcPct val="100000"/>
+              </a:lnSpc>
+            </a:pPr>
+            <a:r>
+              <a:rPr lang="en-US" dirty="0">
+                <a:solidFill>
+                  <a:srgbClr val="FFFFFF">
+                    <a:alpha val="60000"/>
+                  </a:srgbClr>
+                </a:solidFill>
+              </a:rPr>
+              <a:t> And how big it was/ is it easy to transport on the go. </a:t>
+            </a:r>
+          </a:p>
+          <a:p>
+            <a:pPr marL="0" indent="0">
+              <a:lnSpc>
+                <a:spcPct val="100000"/>
+              </a:lnSpc>
+            </a:pPr>
+            <a:r>
+              <a:rPr lang="en-US" dirty="0">
+                <a:solidFill>
+                  <a:srgbClr val="FFFFFF">
+                    <a:alpha val="60000"/>
+                  </a:srgbClr>
+                </a:solidFill>
+              </a:rPr>
+              <a:t>What the brand the computer was also a big consideration as some brands computers are just better than others.</a:t>
             </a:r>
           </a:p>
         </p:txBody>
@@ -28825,10 +28996,10 @@
               </a:lnSpc>
             </a:pPr>
             <a:r>
-              <a:rPr lang="en-US" dirty="0"/>
+              <a:rPr lang="en-US"/>
               <a:t>Justification</a:t>
             </a:r>
-            <a:endParaRPr lang="en-US" sz="6400" kern="1200" dirty="0">
+            <a:endParaRPr lang="en-US" sz="6400" kern="1200">
               <a:solidFill>
                 <a:schemeClr val="tx1"/>
               </a:solidFill>
@@ -28862,7 +29033,7 @@
           </a:xfrm>
         </p:spPr>
         <p:txBody>
-          <a:bodyPr vert="horz" wrap="square" lIns="0" tIns="0" rIns="0" bIns="0" rtlCol="0">
+          <a:bodyPr vert="horz" wrap="square" lIns="0" tIns="0" rIns="0" bIns="0" rtlCol="0" anchor="t">
             <a:normAutofit/>
           </a:bodyPr>
           <a:lstStyle/>
@@ -28871,16 +29042,35 @@
               <a:lnSpc>
                 <a:spcPct val="100000"/>
               </a:lnSpc>
-              <a:buNone/>
             </a:pPr>
             <a:r>
-              <a:rPr lang="en-US" kern="1200" dirty="0">
-                <a:latin typeface="+mn-lt"/>
-                <a:ea typeface="+mn-ea"/>
-                <a:cs typeface="+mn-cs"/>
+              <a:rPr lang="en-US" dirty="0">
+                <a:solidFill>
+                  <a:srgbClr val="FFFFFF">
+                    <a:alpha val="60000"/>
+                  </a:srgbClr>
+                </a:solidFill>
               </a:rPr>
-              <a:t>Subtitle</a:t>
+              <a:t>This computer(MacBook) suits my dad because it's simple but classy at the same time it's also has got lots of  Memory/RAM  which is good for if he were to use it at home for photos</a:t>
             </a:r>
+            <a:r>
+              <a:rPr lang="en-US">
+                <a:solidFill>
+                  <a:srgbClr val="FFFFFF">
+                    <a:alpha val="60000"/>
+                  </a:srgbClr>
+                </a:solidFill>
+              </a:rPr>
+              <a:t>.</a:t>
+            </a:r>
+            <a:endParaRPr lang="en-US" kern="1200" dirty="0">
+              <a:solidFill>
+                <a:srgbClr val="FFFFFF">
+                  <a:alpha val="60000"/>
+                </a:srgbClr>
+              </a:solidFill>
+              <a:latin typeface="+mn-lt"/>
+            </a:endParaRPr>
           </a:p>
         </p:txBody>
       </p:sp>
@@ -29026,7 +29216,7 @@
           <a:lstStyle/>
           <a:p>
             <a:r>
-              <a:rPr lang="en-US" dirty="0"/>
+              <a:rPr lang="en-US"/>
               <a:t>Summary</a:t>
             </a:r>
           </a:p>
@@ -29089,14 +29279,20 @@
           </a:xfrm>
         </p:spPr>
         <p:txBody>
-          <a:bodyPr>
-            <a:normAutofit lnSpcReduction="10000"/>
+          <a:bodyPr vert="horz" wrap="square" lIns="0" tIns="0" rIns="0" bIns="0" rtlCol="0" anchor="t">
+            <a:normAutofit/>
           </a:bodyPr>
           <a:lstStyle/>
           <a:p>
             <a:r>
-              <a:rPr lang="en-US" dirty="0"/>
-              <a:t>With PowerPoint, you can create presentations and share your work with others, wherever they are. Type the text you want here to get started. You can also add images, art, and videos on this template. Save to OneDrive and access your presentations from your computer, tablet, or phone. </a:t>
+              <a:rPr lang="en-US" dirty="0">
+                <a:solidFill>
+                  <a:srgbClr val="FFFFFF">
+                    <a:alpha val="60000"/>
+                  </a:srgbClr>
+                </a:solidFill>
+              </a:rPr>
+              <a:t>In summary the MacBook would be best for doctors because it is portable, and it has a lot of storage to hold all the doctor's important patient information.</a:t>
             </a:r>
           </a:p>
         </p:txBody>
@@ -29131,7 +29327,6 @@
               <a:rPr lang="en-US"/>
               <a:t>Tuesday, February 2, 20XX</a:t>
             </a:r>
-            <a:endParaRPr lang="en-US" dirty="0"/>
           </a:p>
         </p:txBody>
       </p:sp>
@@ -29260,7 +29455,7 @@
           <a:lstStyle/>
           <a:p>
             <a:r>
-              <a:rPr lang="en-US" dirty="0"/>
+              <a:rPr lang="en-US"/>
               <a:t>Thank You</a:t>
             </a:r>
           </a:p>
@@ -29289,12 +29484,20 @@
           </a:xfrm>
         </p:spPr>
         <p:txBody>
-          <a:bodyPr/>
+          <a:bodyPr vert="horz" wrap="square" lIns="0" tIns="0" rIns="0" bIns="0" rtlCol="0" anchor="t">
+            <a:noAutofit/>
+          </a:bodyPr>
           <a:lstStyle/>
           <a:p>
             <a:r>
-              <a:rPr lang="en-US" dirty="0"/>
-              <a:t>Presenter name</a:t>
+              <a:rPr lang="en-US" dirty="0">
+                <a:solidFill>
+                  <a:srgbClr val="FFFFFF">
+                    <a:alpha val="60000"/>
+                  </a:srgbClr>
+                </a:solidFill>
+              </a:rPr>
+              <a:t>Gwen &amp; Hannah</a:t>
             </a:r>
           </a:p>
           <a:p>
@@ -29302,12 +29505,26 @@
               <a:rPr lang="en-US" dirty="0"/>
               <a:t>Email address</a:t>
             </a:r>
+            <a:endParaRPr lang="en-US" dirty="0">
+              <a:solidFill>
+                <a:srgbClr val="FFFFFF">
+                  <a:alpha val="60000"/>
+                </a:srgbClr>
+              </a:solidFill>
+            </a:endParaRPr>
           </a:p>
           <a:p>
             <a:r>
               <a:rPr lang="en-US" dirty="0"/>
               <a:t>Website address</a:t>
             </a:r>
+            <a:endParaRPr lang="en-US" dirty="0">
+              <a:solidFill>
+                <a:srgbClr val="FFFFFF">
+                  <a:alpha val="60000"/>
+                </a:srgbClr>
+              </a:solidFill>
+            </a:endParaRPr>
           </a:p>
         </p:txBody>
       </p:sp>
@@ -30287,18 +30504,8 @@
 <file path=customXml/item1.xml><?xml version="1.0" encoding="utf-8"?>
 <p:properties xmlns:p="http://schemas.microsoft.com/office/2006/metadata/properties" xmlns:xsi="http://www.w3.org/2001/XMLSchema-instance" xmlns:pc="http://schemas.microsoft.com/office/infopath/2007/PartnerControls">
   <documentManagement>
-    <_ip_UnifiedCompliancePolicyUIAction xmlns="http://schemas.microsoft.com/sharepoint/v3" xsi:nil="true"/>
-    <Image xmlns="71af3243-3dd4-4a8d-8c0d-dd76da1f02a5">
-      <Url xsi:nil="true"/>
-      <Description xsi:nil="true"/>
-    </Image>
-    <Status xmlns="71af3243-3dd4-4a8d-8c0d-dd76da1f02a5">Not started</Status>
-    <_ip_UnifiedCompliancePolicyProperties xmlns="http://schemas.microsoft.com/sharepoint/v3" xsi:nil="true"/>
-    <lcf76f155ced4ddcb4097134ff3c332f xmlns="71af3243-3dd4-4a8d-8c0d-dd76da1f02a5">
-      <Terms xmlns="http://schemas.microsoft.com/office/infopath/2007/PartnerControls"/>
-    </lcf76f155ced4ddcb4097134ff3c332f>
-    <TaxCatchAll xmlns="230e9df3-be65-4c73-a93b-d1236ebd677e"/>
-    <MediaServiceKeyPoints xmlns="71af3243-3dd4-4a8d-8c0d-dd76da1f02a5" xsi:nil="true"/>
+    <MediaServiceKeyPoints xmlns="3cc7f619-7189-40ff-881c-1c60285dbc29" xsi:nil="true"/>
+    <_activity xmlns="3cc7f619-7189-40ff-881c-1c60285dbc29" xsi:nil="true"/>
   </documentManagement>
 </p:properties>
 </file>
@@ -30313,35 +30520,24 @@
 </file>
 
 <file path=customXml/item3.xml><?xml version="1.0" encoding="utf-8"?>
-<ct:contentTypeSchema xmlns:ct="http://schemas.microsoft.com/office/2006/metadata/contentType" xmlns:ma="http://schemas.microsoft.com/office/2006/metadata/properties/metaAttributes" ct:_="" ma:_="" ma:contentTypeName="Document" ma:contentTypeID="0x01010079F111ED35F8CC479449609E8A0923A6" ma:contentTypeVersion="18" ma:contentTypeDescription="Create a new document." ma:contentTypeScope="" ma:versionID="22a266b9fa9a230c5a512669d8b298c3">
-  <xsd:schema xmlns:xsd="http://www.w3.org/2001/XMLSchema" xmlns:xs="http://www.w3.org/2001/XMLSchema" xmlns:p="http://schemas.microsoft.com/office/2006/metadata/properties" xmlns:ns1="http://schemas.microsoft.com/sharepoint/v3" xmlns:ns2="71af3243-3dd4-4a8d-8c0d-dd76da1f02a5" xmlns:ns3="16c05727-aa75-4e4a-9b5f-8a80a1165891" xmlns:ns4="230e9df3-be65-4c73-a93b-d1236ebd677e" targetNamespace="http://schemas.microsoft.com/office/2006/metadata/properties" ma:root="true" ma:fieldsID="eddc33fff6b14141ee5c74a0d29ea6a1" ns1:_="" ns2:_="" ns3:_="" ns4:_="">
-    <xsd:import namespace="http://schemas.microsoft.com/sharepoint/v3"/>
-    <xsd:import namespace="71af3243-3dd4-4a8d-8c0d-dd76da1f02a5"/>
-    <xsd:import namespace="16c05727-aa75-4e4a-9b5f-8a80a1165891"/>
-    <xsd:import namespace="230e9df3-be65-4c73-a93b-d1236ebd677e"/>
+<ct:contentTypeSchema xmlns:ct="http://schemas.microsoft.com/office/2006/metadata/contentType" xmlns:ma="http://schemas.microsoft.com/office/2006/metadata/properties/metaAttributes" ct:_="" ma:_="" ma:contentTypeName="Document" ma:contentTypeID="0x0101009B53779BB3F9EC488810F6465411F944" ma:contentTypeVersion="8" ma:contentTypeDescription="Create a new document." ma:contentTypeScope="" ma:versionID="5262b2ff63f5ff078a5870dd42e6340c">
+  <xsd:schema xmlns:xsd="http://www.w3.org/2001/XMLSchema" xmlns:xs="http://www.w3.org/2001/XMLSchema" xmlns:p="http://schemas.microsoft.com/office/2006/metadata/properties" xmlns:ns3="3cc7f619-7189-40ff-881c-1c60285dbc29" xmlns:ns4="1d909a4a-6410-431f-9c66-582f6164fae4" targetNamespace="http://schemas.microsoft.com/office/2006/metadata/properties" ma:root="true" ma:fieldsID="269b8530879311631794bed2115036f1" ns3:_="" ns4:_="">
+    <xsd:import namespace="3cc7f619-7189-40ff-881c-1c60285dbc29"/>
+    <xsd:import namespace="1d909a4a-6410-431f-9c66-582f6164fae4"/>
     <xsd:element name="properties">
       <xsd:complexType>
         <xsd:sequence>
           <xsd:element name="documentManagement">
             <xsd:complexType>
               <xsd:all>
-                <xsd:element ref="ns2:MediaServiceMetadata" minOccurs="0"/>
-                <xsd:element ref="ns2:MediaServiceFastMetadata" minOccurs="0"/>
-                <xsd:element ref="ns2:MediaServiceOCR" minOccurs="0"/>
-                <xsd:element ref="ns2:MediaServiceAutoTags" minOccurs="0"/>
-                <xsd:element ref="ns2:MediaServiceEventHashCode" minOccurs="0"/>
-                <xsd:element ref="ns2:MediaServiceGenerationTime" minOccurs="0"/>
-                <xsd:element ref="ns3:SharedWithUsers" minOccurs="0"/>
-                <xsd:element ref="ns3:SharedWithDetails" minOccurs="0"/>
-                <xsd:element ref="ns2:MediaServiceAutoKeyPoints" minOccurs="0"/>
-                <xsd:element ref="ns2:MediaServiceKeyPoints" minOccurs="0"/>
-                <xsd:element ref="ns2:MediaServiceDateTaken" minOccurs="0"/>
-                <xsd:element ref="ns2:Status" minOccurs="0"/>
-                <xsd:element ref="ns1:_ip_UnifiedCompliancePolicyProperties" minOccurs="0"/>
-                <xsd:element ref="ns1:_ip_UnifiedCompliancePolicyUIAction" minOccurs="0"/>
-                <xsd:element ref="ns2:Image" minOccurs="0"/>
-                <xsd:element ref="ns2:lcf76f155ced4ddcb4097134ff3c332f" minOccurs="0"/>
-                <xsd:element ref="ns4:TaxCatchAll" minOccurs="0"/>
+                <xsd:element ref="ns3:MediaServiceMetadata" minOccurs="0"/>
+                <xsd:element ref="ns3:MediaServiceFastMetadata" minOccurs="0"/>
+                <xsd:element ref="ns3:MediaServiceAutoKeyPoints" minOccurs="0"/>
+                <xsd:element ref="ns3:MediaServiceKeyPoints" minOccurs="0"/>
+                <xsd:element ref="ns4:SharedWithUsers" minOccurs="0"/>
+                <xsd:element ref="ns4:SharedWithDetails" minOccurs="0"/>
+                <xsd:element ref="ns4:SharingHintHash" minOccurs="0"/>
+                <xsd:element ref="ns3:_activity" minOccurs="0"/>
               </xsd:all>
             </xsd:complexType>
           </xsd:element>
@@ -30349,21 +30545,7 @@
       </xsd:complexType>
     </xsd:element>
   </xsd:schema>
-  <xsd:schema xmlns:xsd="http://www.w3.org/2001/XMLSchema" xmlns:xs="http://www.w3.org/2001/XMLSchema" xmlns:dms="http://schemas.microsoft.com/office/2006/documentManagement/types" xmlns:pc="http://schemas.microsoft.com/office/infopath/2007/PartnerControls" targetNamespace="http://schemas.microsoft.com/sharepoint/v3" elementFormDefault="qualified">
-    <xsd:import namespace="http://schemas.microsoft.com/office/2006/documentManagement/types"/>
-    <xsd:import namespace="http://schemas.microsoft.com/office/infopath/2007/PartnerControls"/>
-    <xsd:element name="_ip_UnifiedCompliancePolicyProperties" ma:index="20" nillable="true" ma:displayName="Unified Compliance Policy Properties" ma:hidden="true" ma:internalName="_ip_UnifiedCompliancePolicyProperties">
-      <xsd:simpleType>
-        <xsd:restriction base="dms:Note"/>
-      </xsd:simpleType>
-    </xsd:element>
-    <xsd:element name="_ip_UnifiedCompliancePolicyUIAction" ma:index="21" nillable="true" ma:displayName="Unified Compliance Policy UI Action" ma:hidden="true" ma:internalName="_ip_UnifiedCompliancePolicyUIAction">
-      <xsd:simpleType>
-        <xsd:restriction base="dms:Text"/>
-      </xsd:simpleType>
-    </xsd:element>
-  </xsd:schema>
-  <xsd:schema xmlns:xsd="http://www.w3.org/2001/XMLSchema" xmlns:xs="http://www.w3.org/2001/XMLSchema" xmlns:dms="http://schemas.microsoft.com/office/2006/documentManagement/types" xmlns:pc="http://schemas.microsoft.com/office/infopath/2007/PartnerControls" targetNamespace="71af3243-3dd4-4a8d-8c0d-dd76da1f02a5" elementFormDefault="qualified">
+  <xsd:schema xmlns:xsd="http://www.w3.org/2001/XMLSchema" xmlns:xs="http://www.w3.org/2001/XMLSchema" xmlns:dms="http://schemas.microsoft.com/office/2006/documentManagement/types" xmlns:pc="http://schemas.microsoft.com/office/infopath/2007/PartnerControls" targetNamespace="3cc7f619-7189-40ff-881c-1c60285dbc29" elementFormDefault="qualified">
     <xsd:import namespace="http://schemas.microsoft.com/office/2006/documentManagement/types"/>
     <xsd:import namespace="http://schemas.microsoft.com/office/infopath/2007/PartnerControls"/>
     <xsd:element name="MediaServiceMetadata" ma:index="8" nillable="true" ma:displayName="MediaServiceMetadata" ma:hidden="true" ma:internalName="MediaServiceMetadata" ma:readOnly="true">
@@ -30376,78 +30558,28 @@
         <xsd:restriction base="dms:Note"/>
       </xsd:simpleType>
     </xsd:element>
-    <xsd:element name="MediaServiceOCR" ma:index="10" nillable="true" ma:displayName="MediaServiceOCR" ma:internalName="MediaServiceOCR" ma:readOnly="true">
+    <xsd:element name="MediaServiceAutoKeyPoints" ma:index="10" nillable="true" ma:displayName="MediaServiceAutoKeyPoints" ma:hidden="true" ma:internalName="MediaServiceAutoKeyPoints" ma:readOnly="true">
+      <xsd:simpleType>
+        <xsd:restriction base="dms:Note"/>
+      </xsd:simpleType>
+    </xsd:element>
+    <xsd:element name="MediaServiceKeyPoints" ma:index="11" nillable="true" ma:displayName="KeyPoints" ma:internalName="MediaServiceKeyPoints" ma:readOnly="true">
       <xsd:simpleType>
         <xsd:restriction base="dms:Note">
           <xsd:maxLength value="255"/>
         </xsd:restriction>
       </xsd:simpleType>
     </xsd:element>
-    <xsd:element name="MediaServiceAutoTags" ma:index="11" nillable="true" ma:displayName="MediaServiceAutoTags" ma:internalName="MediaServiceAutoTags" ma:readOnly="true">
-      <xsd:simpleType>
-        <xsd:restriction base="dms:Text"/>
-      </xsd:simpleType>
-    </xsd:element>
-    <xsd:element name="MediaServiceEventHashCode" ma:index="12" nillable="true" ma:displayName="MediaServiceEventHashCode" ma:hidden="true" ma:internalName="MediaServiceEventHashCode" ma:readOnly="true">
-      <xsd:simpleType>
-        <xsd:restriction base="dms:Text"/>
-      </xsd:simpleType>
-    </xsd:element>
-    <xsd:element name="MediaServiceGenerationTime" ma:index="13" nillable="true" ma:displayName="MediaServiceGenerationTime" ma:hidden="true" ma:internalName="MediaServiceGenerationTime" ma:readOnly="true">
-      <xsd:simpleType>
-        <xsd:restriction base="dms:Text"/>
-      </xsd:simpleType>
-    </xsd:element>
-    <xsd:element name="MediaServiceAutoKeyPoints" ma:index="16" nillable="true" ma:displayName="MediaServiceAutoKeyPoints" ma:hidden="true" ma:internalName="MediaServiceAutoKeyPoints" ma:readOnly="true">
+    <xsd:element name="_activity" ma:index="15" nillable="true" ma:displayName="_activity" ma:hidden="true" ma:internalName="_activity">
       <xsd:simpleType>
         <xsd:restriction base="dms:Note"/>
       </xsd:simpleType>
     </xsd:element>
-    <xsd:element name="MediaServiceKeyPoints" ma:index="17" nillable="true" ma:displayName="KeyPoints" ma:internalName="MediaServiceKeyPoints" ma:readOnly="false">
-      <xsd:simpleType>
-        <xsd:restriction base="dms:Note">
-          <xsd:maxLength value="255"/>
-        </xsd:restriction>
-      </xsd:simpleType>
-    </xsd:element>
-    <xsd:element name="MediaServiceDateTaken" ma:index="18" nillable="true" ma:displayName="MediaServiceDateTaken" ma:hidden="true" ma:internalName="MediaServiceDateTaken" ma:readOnly="true">
-      <xsd:simpleType>
-        <xsd:restriction base="dms:Text"/>
-      </xsd:simpleType>
-    </xsd:element>
-    <xsd:element name="Status" ma:index="19" nillable="true" ma:displayName="Status" ma:default="Not started" ma:format="Dropdown" ma:internalName="Status">
-      <xsd:simpleType>
-        <xsd:restriction base="dms:Choice">
-          <xsd:enumeration value="Not started"/>
-          <xsd:enumeration value="In Progress"/>
-          <xsd:enumeration value="Completed"/>
-        </xsd:restriction>
-      </xsd:simpleType>
-    </xsd:element>
-    <xsd:element name="Image" ma:index="22" nillable="true" ma:displayName="Image" ma:format="Image" ma:internalName="Image">
-      <xsd:complexType>
-        <xsd:complexContent>
-          <xsd:extension base="dms:URL">
-            <xsd:sequence>
-              <xsd:element name="Url" type="dms:ValidUrl" minOccurs="0" nillable="true"/>
-              <xsd:element name="Description" type="xsd:string" nillable="true"/>
-            </xsd:sequence>
-          </xsd:extension>
-        </xsd:complexContent>
-      </xsd:complexType>
-    </xsd:element>
-    <xsd:element name="lcf76f155ced4ddcb4097134ff3c332f" ma:index="24" nillable="true" ma:taxonomy="true" ma:internalName="lcf76f155ced4ddcb4097134ff3c332f" ma:taxonomyFieldName="MediaServiceAITags" ma:displayName="Image Tags" ma:readOnly="false" ma:fieldId="{5cf76f15-5ced-4ddc-b409-7134ff3c332f}" ma:taxonomyMulti="true" ma:sspId="e385fb40-52d4-4fae-9c5b-3e8ff8a5878e" ma:termSetId="09814cd3-568e-4e90-9814-8d621ff8fb84" ma:anchorId="00000000-0000-0000-0000-000000000000" ma:open="true" ma:isKeyword="false">
-      <xsd:complexType>
-        <xsd:sequence>
-          <xsd:element ref="pc:Terms" minOccurs="0" maxOccurs="1"/>
-        </xsd:sequence>
-      </xsd:complexType>
-    </xsd:element>
   </xsd:schema>
-  <xsd:schema xmlns:xsd="http://www.w3.org/2001/XMLSchema" xmlns:xs="http://www.w3.org/2001/XMLSchema" xmlns:dms="http://schemas.microsoft.com/office/2006/documentManagement/types" xmlns:pc="http://schemas.microsoft.com/office/infopath/2007/PartnerControls" targetNamespace="16c05727-aa75-4e4a-9b5f-8a80a1165891" elementFormDefault="qualified">
+  <xsd:schema xmlns:xsd="http://www.w3.org/2001/XMLSchema" xmlns:xs="http://www.w3.org/2001/XMLSchema" xmlns:dms="http://schemas.microsoft.com/office/2006/documentManagement/types" xmlns:pc="http://schemas.microsoft.com/office/infopath/2007/PartnerControls" targetNamespace="1d909a4a-6410-431f-9c66-582f6164fae4" elementFormDefault="qualified">
     <xsd:import namespace="http://schemas.microsoft.com/office/2006/documentManagement/types"/>
     <xsd:import namespace="http://schemas.microsoft.com/office/infopath/2007/PartnerControls"/>
-    <xsd:element name="SharedWithUsers" ma:index="14" nillable="true" ma:displayName="Shared With" ma:internalName="SharedWithUsers" ma:readOnly="true">
+    <xsd:element name="SharedWithUsers" ma:index="12" nillable="true" ma:displayName="Shared With" ma:internalName="SharedWithUsers" ma:readOnly="true">
       <xsd:complexType>
         <xsd:complexContent>
           <xsd:extension base="dms:UserMulti">
@@ -30466,27 +30598,17 @@
         </xsd:complexContent>
       </xsd:complexType>
     </xsd:element>
-    <xsd:element name="SharedWithDetails" ma:index="15" nillable="true" ma:displayName="Shared With Details" ma:internalName="SharedWithDetails" ma:readOnly="true">
+    <xsd:element name="SharedWithDetails" ma:index="13" nillable="true" ma:displayName="Shared With Details" ma:internalName="SharedWithDetails" ma:readOnly="true">
       <xsd:simpleType>
         <xsd:restriction base="dms:Note">
           <xsd:maxLength value="255"/>
         </xsd:restriction>
       </xsd:simpleType>
     </xsd:element>
-  </xsd:schema>
-  <xsd:schema xmlns:xsd="http://www.w3.org/2001/XMLSchema" xmlns:xs="http://www.w3.org/2001/XMLSchema" xmlns:dms="http://schemas.microsoft.com/office/2006/documentManagement/types" xmlns:pc="http://schemas.microsoft.com/office/infopath/2007/PartnerControls" targetNamespace="230e9df3-be65-4c73-a93b-d1236ebd677e" elementFormDefault="qualified">
-    <xsd:import namespace="http://schemas.microsoft.com/office/2006/documentManagement/types"/>
-    <xsd:import namespace="http://schemas.microsoft.com/office/infopath/2007/PartnerControls"/>
-    <xsd:element name="TaxCatchAll" ma:index="25" nillable="true" ma:displayName="Taxonomy Catch All Column" ma:hidden="true" ma:list="{3f6bfcbc-3db3-4ae6-bd76-326f0798ad28}" ma:internalName="TaxCatchAll" ma:showField="CatchAllData" ma:web="16c05727-aa75-4e4a-9b5f-8a80a1165891">
-      <xsd:complexType>
-        <xsd:complexContent>
-          <xsd:extension base="dms:MultiChoiceLookup">
-            <xsd:sequence>
-              <xsd:element name="Value" type="dms:Lookup" maxOccurs="unbounded" minOccurs="0" nillable="true"/>
-            </xsd:sequence>
-          </xsd:extension>
-        </xsd:complexContent>
-      </xsd:complexType>
+    <xsd:element name="SharingHintHash" ma:index="14" nillable="true" ma:displayName="Sharing Hint Hash" ma:hidden="true" ma:internalName="SharingHintHash" ma:readOnly="true">
+      <xsd:simpleType>
+        <xsd:restriction base="dms:Text"/>
+      </xsd:simpleType>
     </xsd:element>
   </xsd:schema>
   <xsd:schema xmlns="http://schemas.openxmlformats.org/package/2006/metadata/core-properties" xmlns:xsd="http://www.w3.org/2001/XMLSchema" xmlns:xsi="http://www.w3.org/2001/XMLSchema-instance" xmlns:dc="http://purl.org/dc/elements/1.1/" xmlns:dcterms="http://purl.org/dc/terms/" xmlns:odoc="http://schemas.microsoft.com/internal/obd" targetNamespace="http://schemas.openxmlformats.org/package/2006/metadata/core-properties" elementFormDefault="qualified" attributeFormDefault="unqualified" blockDefault="#all">
@@ -30591,11 +30713,16 @@
 <file path=customXml/itemProps1.xml><?xml version="1.0" encoding="utf-8"?>
 <ds:datastoreItem xmlns:ds="http://schemas.openxmlformats.org/officeDocument/2006/customXml" ds:itemID="{50811A92-D464-4AC4-A396-BA73B10CEEAC}">
   <ds:schemaRefs>
+    <ds:schemaRef ds:uri="1d909a4a-6410-431f-9c66-582f6164fae4"/>
+    <ds:schemaRef ds:uri="3cc7f619-7189-40ff-881c-1c60285dbc29"/>
+    <ds:schemaRef ds:uri="http://purl.org/dc/dcmitype/"/>
+    <ds:schemaRef ds:uri="http://purl.org/dc/elements/1.1/"/>
+    <ds:schemaRef ds:uri="http://purl.org/dc/terms/"/>
+    <ds:schemaRef ds:uri="http://schemas.microsoft.com/office/2006/documentManagement/types"/>
     <ds:schemaRef ds:uri="http://schemas.microsoft.com/office/2006/metadata/properties"/>
     <ds:schemaRef ds:uri="http://schemas.microsoft.com/office/infopath/2007/PartnerControls"/>
-    <ds:schemaRef ds:uri="http://schemas.microsoft.com/sharepoint/v3"/>
-    <ds:schemaRef ds:uri="71af3243-3dd4-4a8d-8c0d-dd76da1f02a5"/>
-    <ds:schemaRef ds:uri="230e9df3-be65-4c73-a93b-d1236ebd677e"/>
+    <ds:schemaRef ds:uri="http://schemas.openxmlformats.org/package/2006/metadata/core-properties"/>
+    <ds:schemaRef ds:uri="http://www.w3.org/XML/1998/namespace"/>
   </ds:schemaRefs>
 </ds:datastoreItem>
 </file>
@@ -30609,22 +30736,20 @@
 </file>
 
 <file path=customXml/itemProps3.xml><?xml version="1.0" encoding="utf-8"?>
-<ds:datastoreItem xmlns:ds="http://schemas.openxmlformats.org/officeDocument/2006/customXml" ds:itemID="{DE4876F9-7AE1-498D-B8FE-1E3AD703D2AF}">
+<ds:datastoreItem xmlns:ds="http://schemas.openxmlformats.org/officeDocument/2006/customXml" ds:itemID="{92DBBD0F-387B-486D-915C-FB47C0B0EBC6}">
   <ds:schemaRefs>
-    <ds:schemaRef ds:uri="http://schemas.microsoft.com/office/2006/metadata/contentType"/>
-    <ds:schemaRef ds:uri="http://schemas.microsoft.com/office/2006/metadata/properties/metaAttributes"/>
-    <ds:schemaRef ds:uri="http://www.w3.org/2001/XMLSchema"/>
-    <ds:schemaRef ds:uri="http://schemas.microsoft.com/office/2006/metadata/properties"/>
-    <ds:schemaRef ds:uri="http://schemas.microsoft.com/sharepoint/v3"/>
-    <ds:schemaRef ds:uri="71af3243-3dd4-4a8d-8c0d-dd76da1f02a5"/>
-    <ds:schemaRef ds:uri="16c05727-aa75-4e4a-9b5f-8a80a1165891"/>
-    <ds:schemaRef ds:uri="230e9df3-be65-4c73-a93b-d1236ebd677e"/>
-    <ds:schemaRef ds:uri="http://schemas.microsoft.com/office/2006/documentManagement/types"/>
-    <ds:schemaRef ds:uri="http://schemas.microsoft.com/office/infopath/2007/PartnerControls"/>
-    <ds:schemaRef ds:uri="http://schemas.openxmlformats.org/package/2006/metadata/core-properties"/>
+    <ds:schemaRef ds:uri="1d909a4a-6410-431f-9c66-582f6164fae4"/>
+    <ds:schemaRef ds:uri="3cc7f619-7189-40ff-881c-1c60285dbc29"/>
     <ds:schemaRef ds:uri="http://purl.org/dc/elements/1.1/"/>
     <ds:schemaRef ds:uri="http://purl.org/dc/terms/"/>
     <ds:schemaRef ds:uri="http://schemas.microsoft.com/internal/obd"/>
+    <ds:schemaRef ds:uri="http://schemas.microsoft.com/office/2006/documentManagement/types"/>
+    <ds:schemaRef ds:uri="http://schemas.microsoft.com/office/2006/metadata/contentType"/>
+    <ds:schemaRef ds:uri="http://schemas.microsoft.com/office/2006/metadata/properties"/>
+    <ds:schemaRef ds:uri="http://schemas.microsoft.com/office/2006/metadata/properties/metaAttributes"/>
+    <ds:schemaRef ds:uri="http://schemas.microsoft.com/office/infopath/2007/PartnerControls"/>
+    <ds:schemaRef ds:uri="http://schemas.openxmlformats.org/package/2006/metadata/core-properties"/>
+    <ds:schemaRef ds:uri="http://www.w3.org/2001/XMLSchema"/>
   </ds:schemaRefs>
 </ds:datastoreItem>
 </file>
